--- a/slides/Woo_GBE3037_L06.pptx
+++ b/slides/Woo_GBE3037_L06.pptx
@@ -5,26 +5,25 @@
     <p:sldMasterId id="2147483648" r:id="rId1"/>
   </p:sldMasterIdLst>
   <p:notesMasterIdLst>
-    <p:notesMasterId r:id="rId19"/>
+    <p:notesMasterId r:id="rId18"/>
   </p:notesMasterIdLst>
   <p:sldIdLst>
     <p:sldId id="256" r:id="rId2"/>
     <p:sldId id="305" r:id="rId3"/>
-    <p:sldId id="311" r:id="rId4"/>
-    <p:sldId id="312" r:id="rId5"/>
-    <p:sldId id="307" r:id="rId6"/>
-    <p:sldId id="308" r:id="rId7"/>
-    <p:sldId id="309" r:id="rId8"/>
-    <p:sldId id="314" r:id="rId9"/>
-    <p:sldId id="315" r:id="rId10"/>
-    <p:sldId id="326" r:id="rId11"/>
-    <p:sldId id="327" r:id="rId12"/>
-    <p:sldId id="328" r:id="rId13"/>
-    <p:sldId id="329" r:id="rId14"/>
-    <p:sldId id="330" r:id="rId15"/>
-    <p:sldId id="331" r:id="rId16"/>
-    <p:sldId id="332" r:id="rId17"/>
-    <p:sldId id="355" r:id="rId18"/>
+    <p:sldId id="312" r:id="rId4"/>
+    <p:sldId id="307" r:id="rId5"/>
+    <p:sldId id="308" r:id="rId6"/>
+    <p:sldId id="309" r:id="rId7"/>
+    <p:sldId id="314" r:id="rId8"/>
+    <p:sldId id="315" r:id="rId9"/>
+    <p:sldId id="326" r:id="rId10"/>
+    <p:sldId id="327" r:id="rId11"/>
+    <p:sldId id="328" r:id="rId12"/>
+    <p:sldId id="329" r:id="rId13"/>
+    <p:sldId id="330" r:id="rId14"/>
+    <p:sldId id="331" r:id="rId15"/>
+    <p:sldId id="332" r:id="rId16"/>
+    <p:sldId id="355" r:id="rId17"/>
   </p:sldIdLst>
   <p:sldSz cx="12192000" cy="6858000"/>
   <p:notesSz cx="6858000" cy="9144000"/>
@@ -213,7 +212,7 @@
           <a:p>
             <a:fld id="{65F32F1C-A509-984F-9E5B-E228248344CD}" type="datetimeFigureOut">
               <a:rPr kumimoji="1" lang="ko-KR" altLang="en-US" smtClean="0"/>
-              <a:t>2019. 3. 7.</a:t>
+              <a:t>2019. 3. 22.</a:t>
             </a:fld>
             <a:endParaRPr kumimoji="1" lang="ko-KR" altLang="en-US"/>
           </a:p>
@@ -609,7 +608,7 @@
           <a:p>
             <a:fld id="{D1CBEE32-551C-D044-9ECF-F871403689A5}" type="datetimeFigureOut">
               <a:rPr kumimoji="1" lang="ko-KR" altLang="en-US" smtClean="0"/>
-              <a:t>2019. 3. 7.</a:t>
+              <a:t>2019. 3. 22.</a:t>
             </a:fld>
             <a:endParaRPr kumimoji="1" lang="ko-KR" altLang="en-US"/>
           </a:p>
@@ -777,7 +776,7 @@
           <a:p>
             <a:fld id="{D1CBEE32-551C-D044-9ECF-F871403689A5}" type="datetimeFigureOut">
               <a:rPr kumimoji="1" lang="ko-KR" altLang="en-US" smtClean="0"/>
-              <a:t>2019. 3. 7.</a:t>
+              <a:t>2019. 3. 22.</a:t>
             </a:fld>
             <a:endParaRPr kumimoji="1" lang="ko-KR" altLang="en-US"/>
           </a:p>
@@ -955,7 +954,7 @@
           <a:p>
             <a:fld id="{D1CBEE32-551C-D044-9ECF-F871403689A5}" type="datetimeFigureOut">
               <a:rPr kumimoji="1" lang="ko-KR" altLang="en-US" smtClean="0"/>
-              <a:t>2019. 3. 7.</a:t>
+              <a:t>2019. 3. 22.</a:t>
             </a:fld>
             <a:endParaRPr kumimoji="1" lang="ko-KR" altLang="en-US"/>
           </a:p>
@@ -1123,7 +1122,7 @@
           <a:p>
             <a:fld id="{D1CBEE32-551C-D044-9ECF-F871403689A5}" type="datetimeFigureOut">
               <a:rPr kumimoji="1" lang="ko-KR" altLang="en-US" smtClean="0"/>
-              <a:t>2019. 3. 7.</a:t>
+              <a:t>2019. 3. 22.</a:t>
             </a:fld>
             <a:endParaRPr kumimoji="1" lang="ko-KR" altLang="en-US"/>
           </a:p>
@@ -1368,7 +1367,7 @@
           <a:p>
             <a:fld id="{D1CBEE32-551C-D044-9ECF-F871403689A5}" type="datetimeFigureOut">
               <a:rPr kumimoji="1" lang="ko-KR" altLang="en-US" smtClean="0"/>
-              <a:t>2019. 3. 7.</a:t>
+              <a:t>2019. 3. 22.</a:t>
             </a:fld>
             <a:endParaRPr kumimoji="1" lang="ko-KR" altLang="en-US"/>
           </a:p>
@@ -1597,7 +1596,7 @@
           <a:p>
             <a:fld id="{D1CBEE32-551C-D044-9ECF-F871403689A5}" type="datetimeFigureOut">
               <a:rPr kumimoji="1" lang="ko-KR" altLang="en-US" smtClean="0"/>
-              <a:t>2019. 3. 7.</a:t>
+              <a:t>2019. 3. 22.</a:t>
             </a:fld>
             <a:endParaRPr kumimoji="1" lang="ko-KR" altLang="en-US"/>
           </a:p>
@@ -1961,7 +1960,7 @@
           <a:p>
             <a:fld id="{D1CBEE32-551C-D044-9ECF-F871403689A5}" type="datetimeFigureOut">
               <a:rPr kumimoji="1" lang="ko-KR" altLang="en-US" smtClean="0"/>
-              <a:t>2019. 3. 7.</a:t>
+              <a:t>2019. 3. 22.</a:t>
             </a:fld>
             <a:endParaRPr kumimoji="1" lang="ko-KR" altLang="en-US"/>
           </a:p>
@@ -2078,7 +2077,7 @@
           <a:p>
             <a:fld id="{D1CBEE32-551C-D044-9ECF-F871403689A5}" type="datetimeFigureOut">
               <a:rPr kumimoji="1" lang="ko-KR" altLang="en-US" smtClean="0"/>
-              <a:t>2019. 3. 7.</a:t>
+              <a:t>2019. 3. 22.</a:t>
             </a:fld>
             <a:endParaRPr kumimoji="1" lang="ko-KR" altLang="en-US"/>
           </a:p>
@@ -2173,7 +2172,7 @@
           <a:p>
             <a:fld id="{D1CBEE32-551C-D044-9ECF-F871403689A5}" type="datetimeFigureOut">
               <a:rPr kumimoji="1" lang="ko-KR" altLang="en-US" smtClean="0"/>
-              <a:t>2019. 3. 7.</a:t>
+              <a:t>2019. 3. 22.</a:t>
             </a:fld>
             <a:endParaRPr kumimoji="1" lang="ko-KR" altLang="en-US"/>
           </a:p>
@@ -2448,7 +2447,7 @@
           <a:p>
             <a:fld id="{D1CBEE32-551C-D044-9ECF-F871403689A5}" type="datetimeFigureOut">
               <a:rPr kumimoji="1" lang="ko-KR" altLang="en-US" smtClean="0"/>
-              <a:t>2019. 3. 7.</a:t>
+              <a:t>2019. 3. 22.</a:t>
             </a:fld>
             <a:endParaRPr kumimoji="1" lang="ko-KR" altLang="en-US"/>
           </a:p>
@@ -2700,7 +2699,7 @@
           <a:p>
             <a:fld id="{D1CBEE32-551C-D044-9ECF-F871403689A5}" type="datetimeFigureOut">
               <a:rPr kumimoji="1" lang="ko-KR" altLang="en-US" smtClean="0"/>
-              <a:t>2019. 3. 7.</a:t>
+              <a:t>2019. 3. 22.</a:t>
             </a:fld>
             <a:endParaRPr kumimoji="1" lang="ko-KR" altLang="en-US"/>
           </a:p>
@@ -2911,7 +2910,7 @@
           <a:p>
             <a:fld id="{D1CBEE32-551C-D044-9ECF-F871403689A5}" type="datetimeFigureOut">
               <a:rPr kumimoji="1" lang="ko-KR" altLang="en-US" smtClean="0"/>
-              <a:t>2019. 3. 7.</a:t>
+              <a:t>2019. 3. 22.</a:t>
             </a:fld>
             <a:endParaRPr kumimoji="1" lang="ko-KR" altLang="en-US"/>
           </a:p>
@@ -3660,688 +3659,6 @@
 </file>
 
 <file path=ppt/slides/slide10.xml><?xml version="1.0" encoding="utf-8"?>
-<p:sld xmlns:a="http://schemas.openxmlformats.org/drawingml/2006/main" xmlns:r="http://schemas.openxmlformats.org/officeDocument/2006/relationships" xmlns:p="http://schemas.openxmlformats.org/presentationml/2006/main">
-  <p:cSld>
-    <p:spTree>
-      <p:nvGrpSpPr>
-        <p:cNvPr id="1" name=""/>
-        <p:cNvGrpSpPr/>
-        <p:nvPr/>
-      </p:nvGrpSpPr>
-      <p:grpSpPr>
-        <a:xfrm>
-          <a:off x="0" y="0"/>
-          <a:ext cx="0" cy="0"/>
-          <a:chOff x="0" y="0"/>
-          <a:chExt cx="0" cy="0"/>
-        </a:xfrm>
-      </p:grpSpPr>
-      <p:grpSp>
-        <p:nvGrpSpPr>
-          <p:cNvPr id="8" name="그룹 7"/>
-          <p:cNvGrpSpPr/>
-          <p:nvPr/>
-        </p:nvGrpSpPr>
-        <p:grpSpPr>
-          <a:xfrm>
-            <a:off x="10422294" y="6186196"/>
-            <a:ext cx="1661681" cy="671804"/>
-            <a:chOff x="18662" y="6209254"/>
-            <a:chExt cx="1661681" cy="671804"/>
-          </a:xfrm>
-        </p:grpSpPr>
-        <p:pic>
-          <p:nvPicPr>
-            <p:cNvPr id="5" name="그림 4"/>
-            <p:cNvPicPr>
-              <a:picLocks noChangeAspect="1"/>
-            </p:cNvPicPr>
-            <p:nvPr/>
-          </p:nvPicPr>
-          <p:blipFill>
-            <a:blip r:embed="rId2">
-              <a:extLst>
-                <a:ext uri="{28A0092B-C50C-407E-A947-70E740481C1C}">
-                  <a14:useLocalDpi xmlns:a14="http://schemas.microsoft.com/office/drawing/2010/main" val="0"/>
-                </a:ext>
-              </a:extLst>
-            </a:blip>
-            <a:stretch>
-              <a:fillRect/>
-            </a:stretch>
-          </p:blipFill>
-          <p:spPr>
-            <a:xfrm>
-              <a:off x="18662" y="6209254"/>
-              <a:ext cx="671804" cy="671804"/>
-            </a:xfrm>
-            <a:prstGeom prst="rect">
-              <a:avLst/>
-            </a:prstGeom>
-          </p:spPr>
-        </p:pic>
-        <p:pic>
-          <p:nvPicPr>
-            <p:cNvPr id="6" name="그림 5"/>
-            <p:cNvPicPr>
-              <a:picLocks noChangeAspect="1"/>
-            </p:cNvPicPr>
-            <p:nvPr/>
-          </p:nvPicPr>
-          <p:blipFill>
-            <a:blip r:embed="rId3"/>
-            <a:stretch>
-              <a:fillRect/>
-            </a:stretch>
-          </p:blipFill>
-          <p:spPr>
-            <a:xfrm>
-              <a:off x="625149" y="6262887"/>
-              <a:ext cx="597215" cy="517044"/>
-            </a:xfrm>
-            <a:prstGeom prst="rect">
-              <a:avLst/>
-            </a:prstGeom>
-          </p:spPr>
-        </p:pic>
-        <p:pic>
-          <p:nvPicPr>
-            <p:cNvPr id="7" name="그림 6"/>
-            <p:cNvPicPr>
-              <a:picLocks noChangeAspect="1"/>
-            </p:cNvPicPr>
-            <p:nvPr/>
-          </p:nvPicPr>
-          <p:blipFill>
-            <a:blip r:embed="rId4">
-              <a:extLst>
-                <a:ext uri="{28A0092B-C50C-407E-A947-70E740481C1C}">
-                  <a14:useLocalDpi xmlns:a14="http://schemas.microsoft.com/office/drawing/2010/main" val="0"/>
-                </a:ext>
-              </a:extLst>
-            </a:blip>
-            <a:stretch>
-              <a:fillRect/>
-            </a:stretch>
-          </p:blipFill>
-          <p:spPr>
-            <a:xfrm>
-              <a:off x="1241804" y="6322730"/>
-              <a:ext cx="438539" cy="438539"/>
-            </a:xfrm>
-            <a:prstGeom prst="rect">
-              <a:avLst/>
-            </a:prstGeom>
-          </p:spPr>
-        </p:pic>
-      </p:grpSp>
-      <p:sp>
-        <p:nvSpPr>
-          <p:cNvPr id="9" name="직사각형 8"/>
-          <p:cNvSpPr/>
-          <p:nvPr/>
-        </p:nvSpPr>
-        <p:spPr>
-          <a:xfrm>
-            <a:off x="0" y="0"/>
-            <a:ext cx="12192000" cy="102769"/>
-          </a:xfrm>
-          <a:prstGeom prst="rect">
-            <a:avLst/>
-          </a:prstGeom>
-          <a:solidFill>
-            <a:schemeClr val="accent6">
-              <a:lumMod val="60000"/>
-              <a:lumOff val="40000"/>
-            </a:schemeClr>
-          </a:solidFill>
-          <a:ln>
-            <a:noFill/>
-          </a:ln>
-        </p:spPr>
-        <p:style>
-          <a:lnRef idx="2">
-            <a:schemeClr val="accent1">
-              <a:shade val="50000"/>
-            </a:schemeClr>
-          </a:lnRef>
-          <a:fillRef idx="1">
-            <a:schemeClr val="accent1"/>
-          </a:fillRef>
-          <a:effectRef idx="0">
-            <a:schemeClr val="accent1"/>
-          </a:effectRef>
-          <a:fontRef idx="minor">
-            <a:schemeClr val="lt1"/>
-          </a:fontRef>
-        </p:style>
-        <p:txBody>
-          <a:bodyPr rtlCol="0" anchor="ctr"/>
-          <a:lstStyle/>
-          <a:p>
-            <a:pPr algn="ctr"/>
-            <a:endParaRPr kumimoji="1" lang="ko-KR" altLang="en-US" dirty="0">
-              <a:latin typeface="PT Sans Narrow" charset="-52"/>
-              <a:ea typeface="PT Sans Narrow" charset="-52"/>
-              <a:cs typeface="PT Sans Narrow" charset="-52"/>
-            </a:endParaRPr>
-          </a:p>
-        </p:txBody>
-      </p:sp>
-      <p:sp>
-        <p:nvSpPr>
-          <p:cNvPr id="10" name="직사각형 9"/>
-          <p:cNvSpPr/>
-          <p:nvPr/>
-        </p:nvSpPr>
-        <p:spPr>
-          <a:xfrm>
-            <a:off x="9894433" y="84109"/>
-            <a:ext cx="2301508" cy="276999"/>
-          </a:xfrm>
-          <a:prstGeom prst="rect">
-            <a:avLst/>
-          </a:prstGeom>
-        </p:spPr>
-        <p:txBody>
-          <a:bodyPr wrap="square">
-            <a:spAutoFit/>
-          </a:bodyPr>
-          <a:lstStyle/>
-          <a:p>
-            <a:pPr algn="r"/>
-            <a:r>
-              <a:rPr lang="en-US" altLang="ko-KR" sz="1200" dirty="0">
-                <a:latin typeface="Seravek Light" charset="0"/>
-                <a:ea typeface="Seravek Light" charset="0"/>
-                <a:cs typeface="Seravek Light" charset="0"/>
-              </a:rPr>
-              <a:t>Lecture 06</a:t>
-            </a:r>
-            <a:endParaRPr lang="ko-KR" altLang="en-US" sz="1200" dirty="0">
-              <a:latin typeface="Seravek Light" charset="0"/>
-              <a:ea typeface="Seravek Light" charset="0"/>
-              <a:cs typeface="Seravek Light" charset="0"/>
-            </a:endParaRPr>
-          </a:p>
-        </p:txBody>
-      </p:sp>
-      <p:sp>
-        <p:nvSpPr>
-          <p:cNvPr id="11" name="직사각형 10"/>
-          <p:cNvSpPr/>
-          <p:nvPr/>
-        </p:nvSpPr>
-        <p:spPr>
-          <a:xfrm>
-            <a:off x="69202" y="6518941"/>
-            <a:ext cx="4169731" cy="261610"/>
-          </a:xfrm>
-          <a:prstGeom prst="rect">
-            <a:avLst/>
-          </a:prstGeom>
-        </p:spPr>
-        <p:txBody>
-          <a:bodyPr wrap="none">
-            <a:spAutoFit/>
-          </a:bodyPr>
-          <a:lstStyle/>
-          <a:p>
-            <a:r>
-              <a:rPr lang="en-US" altLang="ko-KR" sz="1100" dirty="0">
-                <a:latin typeface="Seravek Light" charset="0"/>
-                <a:ea typeface="Seravek Light" charset="0"/>
-                <a:cs typeface="Seravek Light" charset="0"/>
-              </a:rPr>
-              <a:t>CHOONG-WAN WOO  |  COCOAN lab  |  </a:t>
-            </a:r>
-            <a:r>
-              <a:rPr lang="en-US" altLang="ko-KR" sz="1100" dirty="0">
-                <a:latin typeface="Seravek Light" charset="0"/>
-                <a:ea typeface="Seravek Light" charset="0"/>
-                <a:cs typeface="Seravek Light" charset="0"/>
-                <a:hlinkClick r:id="rId5"/>
-              </a:rPr>
-              <a:t>http://cocoanlab.github.io</a:t>
-            </a:r>
-            <a:endParaRPr lang="en-US" altLang="ko-KR" sz="1100" dirty="0">
-              <a:latin typeface="Seravek Light" charset="0"/>
-              <a:ea typeface="Seravek Light" charset="0"/>
-              <a:cs typeface="Seravek Light" charset="0"/>
-            </a:endParaRPr>
-          </a:p>
-        </p:txBody>
-      </p:sp>
-      <p:sp>
-        <p:nvSpPr>
-          <p:cNvPr id="2" name="직사각형 1"/>
-          <p:cNvSpPr/>
-          <p:nvPr/>
-        </p:nvSpPr>
-        <p:spPr>
-          <a:xfrm>
-            <a:off x="216491" y="222608"/>
-            <a:ext cx="3813865" cy="523220"/>
-          </a:xfrm>
-          <a:prstGeom prst="rect">
-            <a:avLst/>
-          </a:prstGeom>
-        </p:spPr>
-        <p:txBody>
-          <a:bodyPr wrap="none">
-            <a:spAutoFit/>
-          </a:bodyPr>
-          <a:lstStyle/>
-          <a:p>
-            <a:r>
-              <a:rPr lang="en-US" altLang="ko-KR" sz="2800" dirty="0">
-                <a:latin typeface="Seravek" charset="0"/>
-                <a:ea typeface="Seravek" charset="0"/>
-                <a:cs typeface="Seravek" charset="0"/>
-              </a:rPr>
-              <a:t>Examining the residuals</a:t>
-            </a:r>
-            <a:endParaRPr lang="ko-KR" altLang="en-US" sz="2800" dirty="0">
-              <a:latin typeface="Seravek" charset="0"/>
-              <a:ea typeface="Seravek" charset="0"/>
-              <a:cs typeface="Seravek" charset="0"/>
-            </a:endParaRPr>
-          </a:p>
-        </p:txBody>
-      </p:sp>
-      <mc:AlternateContent xmlns:mc="http://schemas.openxmlformats.org/markup-compatibility/2006" xmlns:a14="http://schemas.microsoft.com/office/drawing/2010/main">
-        <mc:Choice Requires="a14">
-          <p:sp>
-            <p:nvSpPr>
-              <p:cNvPr id="15" name="텍스트 상자 14"/>
-              <p:cNvSpPr txBox="1"/>
-              <p:nvPr/>
-            </p:nvSpPr>
-            <p:spPr>
-              <a:xfrm>
-                <a:off x="1224288" y="865667"/>
-                <a:ext cx="9869810" cy="3194721"/>
-              </a:xfrm>
-              <a:prstGeom prst="rect">
-                <a:avLst/>
-              </a:prstGeom>
-              <a:noFill/>
-            </p:spPr>
-            <p:txBody>
-              <a:bodyPr wrap="square" rtlCol="0">
-                <a:spAutoFit/>
-              </a:bodyPr>
-              <a:lstStyle/>
-              <a:p>
-                <a:pPr marL="314325" indent="-314325">
-                  <a:lnSpc>
-                    <a:spcPct val="160000"/>
-                  </a:lnSpc>
-                  <a:buFont typeface="Arial" charset="0"/>
-                  <a:buChar char="•"/>
-                </a:pPr>
-                <a:r>
-                  <a:rPr lang="en-US" altLang="ko-KR" dirty="0">
-                    <a:latin typeface="Seravek Light" charset="0"/>
-                    <a:ea typeface="Seravek Light" charset="0"/>
-                    <a:cs typeface="Seravek Light" charset="0"/>
-                  </a:rPr>
-                  <a:t>Residuals are defined as:</a:t>
-                </a:r>
-              </a:p>
-              <a:p>
-                <a:pPr marL="314325" indent="-314325">
-                  <a:lnSpc>
-                    <a:spcPct val="160000"/>
-                  </a:lnSpc>
-                  <a:buFont typeface="Arial" charset="0"/>
-                  <a:buChar char="•"/>
-                </a:pPr>
-                <a14:m>
-                  <m:oMath xmlns:m="http://schemas.openxmlformats.org/officeDocument/2006/math">
-                    <m:r>
-                      <a:rPr lang="en-US" altLang="ko-KR" b="0" i="1" smtClean="0">
-                        <a:latin typeface="Cambria Math" charset="0"/>
-                        <a:ea typeface="Seravek Light" charset="0"/>
-                        <a:cs typeface="Seravek Light" charset="0"/>
-                      </a:rPr>
-                      <m:t>𝑒</m:t>
-                    </m:r>
-                    <m:r>
-                      <a:rPr lang="en-US" altLang="ko-KR" b="0" i="1" smtClean="0">
-                        <a:latin typeface="Cambria Math" charset="0"/>
-                        <a:ea typeface="Seravek Light" charset="0"/>
-                        <a:cs typeface="Seravek Light" charset="0"/>
-                      </a:rPr>
-                      <m:t>=</m:t>
-                    </m:r>
-                    <m:r>
-                      <a:rPr lang="en-US" altLang="ko-KR" b="0" i="1" smtClean="0">
-                        <a:latin typeface="Cambria Math" charset="0"/>
-                        <a:ea typeface="Seravek Light" charset="0"/>
-                        <a:cs typeface="Seravek Light" charset="0"/>
-                      </a:rPr>
-                      <m:t>𝑦</m:t>
-                    </m:r>
-                    <m:r>
-                      <a:rPr lang="en-US" altLang="ko-KR" b="0" i="1" smtClean="0">
-                        <a:latin typeface="Cambria Math" charset="0"/>
-                        <a:ea typeface="Seravek Light" charset="0"/>
-                        <a:cs typeface="Seravek Light" charset="0"/>
-                      </a:rPr>
-                      <m:t> − </m:t>
-                    </m:r>
-                    <m:acc>
-                      <m:accPr>
-                        <m:chr m:val="̂"/>
-                        <m:ctrlPr>
-                          <a:rPr lang="en-US" altLang="ko-KR" b="0" i="1" smtClean="0">
-                            <a:latin typeface="Cambria Math" panose="02040503050406030204" pitchFamily="18" charset="0"/>
-                            <a:ea typeface="Seravek Light" charset="0"/>
-                            <a:cs typeface="Seravek Light" charset="0"/>
-                          </a:rPr>
-                        </m:ctrlPr>
-                      </m:accPr>
-                      <m:e>
-                        <m:r>
-                          <a:rPr lang="en-US" altLang="ko-KR" b="0" i="1" smtClean="0">
-                            <a:latin typeface="Cambria Math" charset="0"/>
-                            <a:ea typeface="Seravek Light" charset="0"/>
-                            <a:cs typeface="Seravek Light" charset="0"/>
-                          </a:rPr>
-                          <m:t>𝑦</m:t>
-                        </m:r>
-                      </m:e>
-                    </m:acc>
-                  </m:oMath>
-                </a14:m>
-                <a:endParaRPr lang="en-US" altLang="ko-KR" dirty="0">
-                  <a:latin typeface="Seravek Light" charset="0"/>
-                  <a:ea typeface="Seravek Light" charset="0"/>
-                  <a:cs typeface="Seravek Light" charset="0"/>
-                </a:endParaRPr>
-              </a:p>
-              <a:p>
-                <a:pPr marL="314325" indent="-314325">
-                  <a:lnSpc>
-                    <a:spcPct val="160000"/>
-                  </a:lnSpc>
-                  <a:buFont typeface="Arial" charset="0"/>
-                  <a:buChar char="•"/>
-                </a:pPr>
-                <a:endParaRPr lang="en-US" altLang="ko-KR" dirty="0">
-                  <a:latin typeface="Seravek Light" charset="0"/>
-                  <a:ea typeface="Seravek Light" charset="0"/>
-                  <a:cs typeface="Seravek Light" charset="0"/>
-                </a:endParaRPr>
-              </a:p>
-              <a:p>
-                <a:pPr marL="314325" indent="-314325">
-                  <a:lnSpc>
-                    <a:spcPct val="160000"/>
-                  </a:lnSpc>
-                  <a:buFont typeface="Arial" charset="0"/>
-                  <a:buChar char="•"/>
-                </a:pPr>
-                <a:endParaRPr lang="en-US" altLang="ko-KR" dirty="0">
-                  <a:latin typeface="Seravek Light" charset="0"/>
-                  <a:ea typeface="Seravek Light" charset="0"/>
-                  <a:cs typeface="Seravek Light" charset="0"/>
-                </a:endParaRPr>
-              </a:p>
-              <a:p>
-                <a:pPr marL="314325" indent="-314325">
-                  <a:lnSpc>
-                    <a:spcPct val="160000"/>
-                  </a:lnSpc>
-                  <a:buFont typeface="Arial" charset="0"/>
-                  <a:buChar char="•"/>
-                </a:pPr>
-                <a:endParaRPr lang="en-US" altLang="ko-KR" dirty="0">
-                  <a:latin typeface="Seravek Light" charset="0"/>
-                  <a:ea typeface="Seravek Light" charset="0"/>
-                  <a:cs typeface="Seravek Light" charset="0"/>
-                </a:endParaRPr>
-              </a:p>
-              <a:p>
-                <a:pPr marL="314325" indent="-314325">
-                  <a:lnSpc>
-                    <a:spcPct val="160000"/>
-                  </a:lnSpc>
-                  <a:buFont typeface="Arial" charset="0"/>
-                  <a:buChar char="•"/>
-                </a:pPr>
-                <a:endParaRPr lang="en-US" altLang="ko-KR" dirty="0">
-                  <a:latin typeface="Seravek Light" charset="0"/>
-                  <a:ea typeface="Seravek Light" charset="0"/>
-                  <a:cs typeface="Seravek Light" charset="0"/>
-                </a:endParaRPr>
-              </a:p>
-              <a:p>
-                <a:pPr marL="314325" indent="-314325">
-                  <a:lnSpc>
-                    <a:spcPct val="160000"/>
-                  </a:lnSpc>
-                  <a:buFont typeface="Arial" charset="0"/>
-                  <a:buChar char="•"/>
-                </a:pPr>
-                <a:endParaRPr lang="en-US" altLang="ko-KR" dirty="0">
-                  <a:latin typeface="Seravek Light" charset="0"/>
-                  <a:ea typeface="Seravek Light" charset="0"/>
-                  <a:cs typeface="Seravek Light" charset="0"/>
-                </a:endParaRPr>
-              </a:p>
-            </p:txBody>
-          </p:sp>
-        </mc:Choice>
-        <mc:Fallback xmlns="">
-          <p:sp>
-            <p:nvSpPr>
-              <p:cNvPr id="15" name="텍스트 상자 14"/>
-              <p:cNvSpPr txBox="1">
-                <a:spLocks noRot="1" noChangeAspect="1" noMove="1" noResize="1" noEditPoints="1" noAdjustHandles="1" noChangeArrowheads="1" noChangeShapeType="1" noTextEdit="1"/>
-              </p:cNvSpPr>
-              <p:nvPr/>
-            </p:nvSpPr>
-            <p:spPr>
-              <a:xfrm>
-                <a:off x="1224288" y="865667"/>
-                <a:ext cx="9869810" cy="3194721"/>
-              </a:xfrm>
-              <a:prstGeom prst="rect">
-                <a:avLst/>
-              </a:prstGeom>
-              <a:blipFill rotWithShape="0">
-                <a:blip r:embed="rId6"/>
-                <a:stretch>
-                  <a:fillRect l="-432"/>
-                </a:stretch>
-              </a:blipFill>
-            </p:spPr>
-            <p:txBody>
-              <a:bodyPr/>
-              <a:lstStyle/>
-              <a:p>
-                <a:r>
-                  <a:rPr lang="ko-KR" altLang="en-US">
-                    <a:noFill/>
-                  </a:rPr>
-                  <a:t> </a:t>
-                </a:r>
-              </a:p>
-            </p:txBody>
-          </p:sp>
-        </mc:Fallback>
-      </mc:AlternateContent>
-      <p:pic>
-        <p:nvPicPr>
-          <p:cNvPr id="3" name="그림 2"/>
-          <p:cNvPicPr>
-            <a:picLocks noChangeAspect="1"/>
-          </p:cNvPicPr>
-          <p:nvPr/>
-        </p:nvPicPr>
-        <p:blipFill>
-          <a:blip r:embed="rId7"/>
-          <a:stretch>
-            <a:fillRect/>
-          </a:stretch>
-        </p:blipFill>
-        <p:spPr>
-          <a:xfrm>
-            <a:off x="4126125" y="969995"/>
-            <a:ext cx="6632071" cy="2802382"/>
-          </a:xfrm>
-          <a:prstGeom prst="rect">
-            <a:avLst/>
-          </a:prstGeom>
-        </p:spPr>
-      </p:pic>
-    </p:spTree>
-    <p:extLst>
-      <p:ext uri="{BB962C8B-B14F-4D97-AF65-F5344CB8AC3E}">
-        <p14:creationId xmlns:p14="http://schemas.microsoft.com/office/powerpoint/2010/main" val="746791566"/>
-      </p:ext>
-    </p:extLst>
-  </p:cSld>
-  <p:clrMapOvr>
-    <a:masterClrMapping/>
-  </p:clrMapOvr>
-  <p:timing>
-    <p:tnLst>
-      <p:par>
-        <p:cTn id="1" dur="indefinite" restart="never" nodeType="tmRoot">
-          <p:childTnLst>
-            <p:seq concurrent="1" nextAc="seek">
-              <p:cTn id="2" dur="indefinite" nodeType="mainSeq">
-                <p:childTnLst>
-                  <p:par>
-                    <p:cTn id="3" fill="hold">
-                      <p:stCondLst>
-                        <p:cond delay="indefinite"/>
-                      </p:stCondLst>
-                      <p:childTnLst>
-                        <p:par>
-                          <p:cTn id="4" fill="hold">
-                            <p:stCondLst>
-                              <p:cond delay="0"/>
-                            </p:stCondLst>
-                            <p:childTnLst>
-                              <p:par>
-                                <p:cTn id="5" presetID="1" presetClass="entr" presetSubtype="0" fill="hold" grpId="1" nodeType="clickEffect">
-                                  <p:stCondLst>
-                                    <p:cond delay="0"/>
-                                  </p:stCondLst>
-                                  <p:childTnLst>
-                                    <p:set>
-                                      <p:cBhvr>
-                                        <p:cTn id="6" dur="1" fill="hold">
-                                          <p:stCondLst>
-                                            <p:cond delay="0"/>
-                                          </p:stCondLst>
-                                        </p:cTn>
-                                        <p:tgtEl>
-                                          <p:spTgt spid="15">
-                                            <p:txEl>
-                                              <p:pRg st="0" end="0"/>
-                                            </p:txEl>
-                                          </p:spTgt>
-                                        </p:tgtEl>
-                                        <p:attrNameLst>
-                                          <p:attrName>style.visibility</p:attrName>
-                                        </p:attrNameLst>
-                                      </p:cBhvr>
-                                      <p:to>
-                                        <p:strVal val="visible"/>
-                                      </p:to>
-                                    </p:set>
-                                  </p:childTnLst>
-                                </p:cTn>
-                              </p:par>
-                            </p:childTnLst>
-                          </p:cTn>
-                        </p:par>
-                      </p:childTnLst>
-                    </p:cTn>
-                  </p:par>
-                  <p:par>
-                    <p:cTn id="7" fill="hold">
-                      <p:stCondLst>
-                        <p:cond delay="indefinite"/>
-                      </p:stCondLst>
-                      <p:childTnLst>
-                        <p:par>
-                          <p:cTn id="8" fill="hold">
-                            <p:stCondLst>
-                              <p:cond delay="0"/>
-                            </p:stCondLst>
-                            <p:childTnLst>
-                              <p:par>
-                                <p:cTn id="9" presetID="1" presetClass="entr" presetSubtype="0" fill="hold" grpId="1" nodeType="clickEffect">
-                                  <p:stCondLst>
-                                    <p:cond delay="0"/>
-                                  </p:stCondLst>
-                                  <p:childTnLst>
-                                    <p:set>
-                                      <p:cBhvr>
-                                        <p:cTn id="10" dur="1" fill="hold">
-                                          <p:stCondLst>
-                                            <p:cond delay="0"/>
-                                          </p:stCondLst>
-                                        </p:cTn>
-                                        <p:tgtEl>
-                                          <p:spTgt spid="15">
-                                            <p:txEl>
-                                              <p:pRg st="1" end="1"/>
-                                            </p:txEl>
-                                          </p:spTgt>
-                                        </p:tgtEl>
-                                        <p:attrNameLst>
-                                          <p:attrName>style.visibility</p:attrName>
-                                        </p:attrNameLst>
-                                      </p:cBhvr>
-                                      <p:to>
-                                        <p:strVal val="visible"/>
-                                      </p:to>
-                                    </p:set>
-                                  </p:childTnLst>
-                                </p:cTn>
-                              </p:par>
-                            </p:childTnLst>
-                          </p:cTn>
-                        </p:par>
-                      </p:childTnLst>
-                    </p:cTn>
-                  </p:par>
-                </p:childTnLst>
-              </p:cTn>
-              <p:prevCondLst>
-                <p:cond evt="onPrev" delay="0">
-                  <p:tgtEl>
-                    <p:sldTgt/>
-                  </p:tgtEl>
-                </p:cond>
-              </p:prevCondLst>
-              <p:nextCondLst>
-                <p:cond evt="onNext" delay="0">
-                  <p:tgtEl>
-                    <p:sldTgt/>
-                  </p:tgtEl>
-                </p:cond>
-              </p:nextCondLst>
-            </p:seq>
-          </p:childTnLst>
-        </p:cTn>
-      </p:par>
-    </p:tnLst>
-    <p:bldLst>
-      <p:bldP spid="15" grpId="1" build="p"/>
-    </p:bldLst>
-  </p:timing>
-</p:sld>
-</file>
-
-<file path=ppt/slides/slide11.xml><?xml version="1.0" encoding="utf-8"?>
 <p:sld xmlns:a="http://schemas.openxmlformats.org/drawingml/2006/main" xmlns:r="http://schemas.openxmlformats.org/officeDocument/2006/relationships" xmlns:p="http://schemas.openxmlformats.org/presentationml/2006/main">
   <p:cSld>
     <p:spTree>
@@ -5604,7 +4921,7 @@
 </p:sld>
 </file>
 
-<file path=ppt/slides/slide12.xml><?xml version="1.0" encoding="utf-8"?>
+<file path=ppt/slides/slide11.xml><?xml version="1.0" encoding="utf-8"?>
 <p:sld xmlns:a="http://schemas.openxmlformats.org/drawingml/2006/main" xmlns:r="http://schemas.openxmlformats.org/officeDocument/2006/relationships" xmlns:p="http://schemas.openxmlformats.org/presentationml/2006/main">
   <p:cSld>
     <p:spTree>
@@ -8893,7 +8210,7 @@
 </p:sld>
 </file>
 
-<file path=ppt/slides/slide13.xml><?xml version="1.0" encoding="utf-8"?>
+<file path=ppt/slides/slide12.xml><?xml version="1.0" encoding="utf-8"?>
 <p:sld xmlns:a="http://schemas.openxmlformats.org/drawingml/2006/main" xmlns:r="http://schemas.openxmlformats.org/officeDocument/2006/relationships" xmlns:p="http://schemas.openxmlformats.org/presentationml/2006/main">
   <p:cSld>
     <p:spTree>
@@ -10238,7 +9555,7 @@
 </p:sld>
 </file>
 
-<file path=ppt/slides/slide14.xml><?xml version="1.0" encoding="utf-8"?>
+<file path=ppt/slides/slide13.xml><?xml version="1.0" encoding="utf-8"?>
 <p:sld xmlns:a="http://schemas.openxmlformats.org/drawingml/2006/main" xmlns:r="http://schemas.openxmlformats.org/officeDocument/2006/relationships" xmlns:p="http://schemas.openxmlformats.org/presentationml/2006/main">
   <p:cSld>
     <p:spTree>
@@ -10965,7 +10282,7 @@
 </p:sld>
 </file>
 
-<file path=ppt/slides/slide15.xml><?xml version="1.0" encoding="utf-8"?>
+<file path=ppt/slides/slide14.xml><?xml version="1.0" encoding="utf-8"?>
 <p:sld xmlns:a="http://schemas.openxmlformats.org/drawingml/2006/main" xmlns:r="http://schemas.openxmlformats.org/officeDocument/2006/relationships" xmlns:p="http://schemas.openxmlformats.org/presentationml/2006/main">
   <p:cSld>
     <p:spTree>
@@ -12701,7 +12018,7 @@
 </p:sld>
 </file>
 
-<file path=ppt/slides/slide16.xml><?xml version="1.0" encoding="utf-8"?>
+<file path=ppt/slides/slide15.xml><?xml version="1.0" encoding="utf-8"?>
 <p:sld xmlns:a="http://schemas.openxmlformats.org/drawingml/2006/main" xmlns:r="http://schemas.openxmlformats.org/officeDocument/2006/relationships" xmlns:p="http://schemas.openxmlformats.org/presentationml/2006/main">
   <p:cSld>
     <p:spTree>
@@ -12991,8 +12308,8 @@
           </a:p>
         </p:txBody>
       </p:sp>
-      <mc:AlternateContent xmlns:mc="http://schemas.openxmlformats.org/markup-compatibility/2006" xmlns:a14="http://schemas.microsoft.com/office/drawing/2010/main">
-        <mc:Choice Requires="a14">
+      <mc:AlternateContent xmlns:mc="http://schemas.openxmlformats.org/markup-compatibility/2006">
+        <mc:Choice xmlns:a14="http://schemas.microsoft.com/office/drawing/2010/main" Requires="a14">
           <p:sp>
             <p:nvSpPr>
               <p:cNvPr id="18" name="직사각형 17"/>
@@ -13002,7 +12319,7 @@
             <p:spPr>
               <a:xfrm>
                 <a:off x="1174714" y="865667"/>
-                <a:ext cx="8502520" cy="4447115"/>
+                <a:ext cx="8608575" cy="4399794"/>
               </a:xfrm>
               <a:prstGeom prst="rect">
                 <a:avLst/>
@@ -13048,6 +12365,14 @@
                 </a:r>
                 <a14:m>
                   <m:oMath xmlns:m="http://schemas.openxmlformats.org/officeDocument/2006/math">
+                    <m:r>
+                      <a:rPr lang="ko-KR" altLang="en-US" b="0" i="0" smtClean="0">
+                        <a:latin typeface="Cambria Math" panose="02040503050406030204" pitchFamily="18" charset="0"/>
+                        <a:ea typeface="Seravek Light" charset="0"/>
+                        <a:cs typeface="Seravek Light" charset="0"/>
+                      </a:rPr>
+                      <m:t>   </m:t>
+                    </m:r>
                     <m:sSup>
                       <m:sSupPr>
                         <m:ctrlPr>
@@ -13979,7 +13304,7 @@
             </p:txBody>
           </p:sp>
         </mc:Choice>
-        <mc:Fallback xmlns="">
+        <mc:Fallback>
           <p:sp>
             <p:nvSpPr>
               <p:cNvPr id="18" name="직사각형 17"/>
@@ -13991,15 +13316,15 @@
             <p:spPr>
               <a:xfrm>
                 <a:off x="1174714" y="865667"/>
-                <a:ext cx="8502520" cy="4447115"/>
+                <a:ext cx="8608575" cy="4399794"/>
               </a:xfrm>
               <a:prstGeom prst="rect">
                 <a:avLst/>
               </a:prstGeom>
-              <a:blipFill rotWithShape="0">
+              <a:blipFill>
                 <a:blip r:embed="rId6"/>
                 <a:stretch>
-                  <a:fillRect l="-502"/>
+                  <a:fillRect l="-295"/>
                 </a:stretch>
               </a:blipFill>
             </p:spPr>
@@ -14353,7 +13678,7 @@
 </p:sld>
 </file>
 
-<file path=ppt/slides/slide17.xml><?xml version="1.0" encoding="utf-8"?>
+<file path=ppt/slides/slide16.xml><?xml version="1.0" encoding="utf-8"?>
 <p:sld xmlns:a="http://schemas.openxmlformats.org/drawingml/2006/main" xmlns:r="http://schemas.openxmlformats.org/officeDocument/2006/relationships" xmlns:p="http://schemas.openxmlformats.org/presentationml/2006/main">
   <p:cSld>
     <p:spTree>
@@ -14643,8 +13968,8 @@
           </a:p>
         </p:txBody>
       </p:sp>
-      <mc:AlternateContent xmlns:mc="http://schemas.openxmlformats.org/markup-compatibility/2006">
-        <mc:Choice xmlns:a14="http://schemas.microsoft.com/office/drawing/2010/main" Requires="a14">
+      <mc:AlternateContent xmlns:mc="http://schemas.openxmlformats.org/markup-compatibility/2006" xmlns:a14="http://schemas.microsoft.com/office/drawing/2010/main">
+        <mc:Choice Requires="a14">
           <p:sp>
             <p:nvSpPr>
               <p:cNvPr id="15" name="텍스트 상자 14"/>
@@ -15673,7 +14998,7 @@
             </p:txBody>
           </p:sp>
         </mc:Choice>
-        <mc:Fallback>
+        <mc:Fallback xmlns="">
           <p:sp>
             <p:nvSpPr>
               <p:cNvPr id="15" name="텍스트 상자 14"/>
@@ -16681,2903 +16006,6 @@
         <p:spPr>
           <a:xfrm>
             <a:off x="216491" y="222608"/>
-            <a:ext cx="5628464" cy="523220"/>
-          </a:xfrm>
-          <a:prstGeom prst="rect">
-            <a:avLst/>
-          </a:prstGeom>
-        </p:spPr>
-        <p:txBody>
-          <a:bodyPr wrap="none">
-            <a:spAutoFit/>
-          </a:bodyPr>
-          <a:lstStyle/>
-          <a:p>
-            <a:r>
-              <a:rPr lang="en-US" altLang="ko-KR" sz="2800" dirty="0">
-                <a:latin typeface="Seravek" charset="0"/>
-                <a:ea typeface="Seravek" charset="0"/>
-                <a:cs typeface="Seravek" charset="0"/>
-              </a:rPr>
-              <a:t>Analysis flowchart for relationships</a:t>
-            </a:r>
-            <a:endParaRPr lang="ko-KR" altLang="en-US" sz="2800" dirty="0">
-              <a:latin typeface="Seravek" charset="0"/>
-              <a:ea typeface="Seravek" charset="0"/>
-              <a:cs typeface="Seravek" charset="0"/>
-            </a:endParaRPr>
-          </a:p>
-        </p:txBody>
-      </p:sp>
-      <p:sp>
-        <p:nvSpPr>
-          <p:cNvPr id="12" name="AutoShape 4"/>
-          <p:cNvSpPr>
-            <a:spLocks noChangeArrowheads="1"/>
-          </p:cNvSpPr>
-          <p:nvPr/>
-        </p:nvSpPr>
-        <p:spPr bwMode="auto">
-          <a:xfrm>
-            <a:off x="2286000" y="3048000"/>
-            <a:ext cx="1752600" cy="533400"/>
-          </a:xfrm>
-          <a:prstGeom prst="roundRect">
-            <a:avLst>
-              <a:gd name="adj" fmla="val 16667"/>
-            </a:avLst>
-          </a:prstGeom>
-          <a:solidFill>
-            <a:schemeClr val="accent4"/>
-          </a:solidFill>
-          <a:ln w="9525">
-            <a:solidFill>
-              <a:schemeClr val="tx1"/>
-            </a:solidFill>
-            <a:round/>
-            <a:headEnd/>
-            <a:tailEnd/>
-          </a:ln>
-          <a:effectLst/>
-        </p:spPr>
-        <p:txBody>
-          <a:bodyPr anchor="ctr"/>
-          <a:lstStyle/>
-          <a:p>
-            <a:pPr algn="ctr"/>
-            <a:r>
-              <a:rPr lang="en-US" altLang="ko-KR" dirty="0">
-                <a:latin typeface="Seravek Light" charset="0"/>
-                <a:ea typeface="Seravek Light" charset="0"/>
-                <a:cs typeface="Seravek Light" charset="0"/>
-              </a:rPr>
-              <a:t>continuous</a:t>
-            </a:r>
-          </a:p>
-        </p:txBody>
-      </p:sp>
-      <p:sp>
-        <p:nvSpPr>
-          <p:cNvPr id="13" name="AutoShape 7"/>
-          <p:cNvSpPr>
-            <a:spLocks noChangeArrowheads="1"/>
-          </p:cNvSpPr>
-          <p:nvPr/>
-        </p:nvSpPr>
-        <p:spPr bwMode="auto">
-          <a:xfrm>
-            <a:off x="4343400" y="1219200"/>
-            <a:ext cx="1752600" cy="609600"/>
-          </a:xfrm>
-          <a:prstGeom prst="roundRect">
-            <a:avLst>
-              <a:gd name="adj" fmla="val 16667"/>
-            </a:avLst>
-          </a:prstGeom>
-          <a:solidFill>
-            <a:schemeClr val="bg2">
-              <a:alpha val="27000"/>
-            </a:schemeClr>
-          </a:solidFill>
-          <a:ln w="9525">
-            <a:solidFill>
-              <a:schemeClr val="tx1"/>
-            </a:solidFill>
-            <a:round/>
-            <a:headEnd/>
-            <a:tailEnd/>
-          </a:ln>
-          <a:effectLst/>
-          <a:extLst>
-            <a:ext uri="{AF507438-7753-43E0-B8FC-AC1667EBCBE1}">
-              <a14:hiddenEffects xmlns:a14="http://schemas.microsoft.com/office/drawing/2010/main">
-                <a:effectLst>
-                  <a:outerShdw blurRad="63500" dist="38099" dir="2700000" algn="ctr" rotWithShape="0">
-                    <a:schemeClr val="bg2">
-                      <a:alpha val="74998"/>
-                    </a:schemeClr>
-                  </a:outerShdw>
-                </a:effectLst>
-              </a14:hiddenEffects>
-            </a:ext>
-          </a:extLst>
-        </p:spPr>
-        <p:txBody>
-          <a:bodyPr anchor="ctr"/>
-          <a:lstStyle/>
-          <a:p>
-            <a:pPr algn="ctr"/>
-            <a:r>
-              <a:rPr lang="en-US" altLang="ko-KR">
-                <a:latin typeface="Seravek Light" charset="0"/>
-                <a:ea typeface="Seravek Light" charset="0"/>
-                <a:cs typeface="Seravek Light" charset="0"/>
-              </a:rPr>
-              <a:t>Predictors</a:t>
-            </a:r>
-          </a:p>
-        </p:txBody>
-      </p:sp>
-      <p:sp>
-        <p:nvSpPr>
-          <p:cNvPr id="14" name="AutoShape 11"/>
-          <p:cNvSpPr>
-            <a:spLocks noChangeArrowheads="1"/>
-          </p:cNvSpPr>
-          <p:nvPr/>
-        </p:nvSpPr>
-        <p:spPr bwMode="auto">
-          <a:xfrm rot="-2267577">
-            <a:off x="4005263" y="2909888"/>
-            <a:ext cx="328612" cy="144462"/>
-          </a:xfrm>
-          <a:prstGeom prst="chevron">
-            <a:avLst>
-              <a:gd name="adj" fmla="val 56868"/>
-            </a:avLst>
-          </a:prstGeom>
-          <a:noFill/>
-          <a:ln w="9525">
-            <a:solidFill>
-              <a:schemeClr val="tx1"/>
-            </a:solidFill>
-            <a:miter lim="800000"/>
-            <a:headEnd/>
-            <a:tailEnd/>
-          </a:ln>
-          <a:effectLst/>
-          <a:extLst>
-            <a:ext uri="{909E8E84-426E-40DD-AFC4-6F175D3DCCD1}">
-              <a14:hiddenFill xmlns:a14="http://schemas.microsoft.com/office/drawing/2010/main">
-                <a:solidFill>
-                  <a:schemeClr val="accent1"/>
-                </a:solidFill>
-              </a14:hiddenFill>
-            </a:ext>
-            <a:ext uri="{AF507438-7753-43E0-B8FC-AC1667EBCBE1}">
-              <a14:hiddenEffects xmlns:a14="http://schemas.microsoft.com/office/drawing/2010/main">
-                <a:effectLst>
-                  <a:outerShdw blurRad="63500" dist="38099" dir="2700000" algn="ctr" rotWithShape="0">
-                    <a:schemeClr val="bg2">
-                      <a:alpha val="74998"/>
-                    </a:schemeClr>
-                  </a:outerShdw>
-                </a:effectLst>
-              </a14:hiddenEffects>
-            </a:ext>
-          </a:extLst>
-        </p:spPr>
-        <p:txBody>
-          <a:bodyPr wrap="none" anchor="ctr"/>
-          <a:lstStyle/>
-          <a:p>
-            <a:endParaRPr lang="ko-KR" altLang="en-US">
-              <a:latin typeface="Seravek Light" charset="0"/>
-              <a:ea typeface="Seravek Light" charset="0"/>
-              <a:cs typeface="Seravek Light" charset="0"/>
-            </a:endParaRPr>
-          </a:p>
-        </p:txBody>
-      </p:sp>
-      <p:sp>
-        <p:nvSpPr>
-          <p:cNvPr id="16" name="AutoShape 13"/>
-          <p:cNvSpPr>
-            <a:spLocks noChangeArrowheads="1"/>
-          </p:cNvSpPr>
-          <p:nvPr/>
-        </p:nvSpPr>
-        <p:spPr bwMode="auto">
-          <a:xfrm>
-            <a:off x="6553200" y="2057400"/>
-            <a:ext cx="1752600" cy="533400"/>
-          </a:xfrm>
-          <a:prstGeom prst="roundRect">
-            <a:avLst>
-              <a:gd name="adj" fmla="val 16667"/>
-            </a:avLst>
-          </a:prstGeom>
-          <a:solidFill>
-            <a:srgbClr val="FF0000">
-              <a:alpha val="28999"/>
-            </a:srgbClr>
-          </a:solidFill>
-          <a:ln w="9525">
-            <a:solidFill>
-              <a:schemeClr val="tx1"/>
-            </a:solidFill>
-            <a:round/>
-            <a:headEnd/>
-            <a:tailEnd/>
-          </a:ln>
-          <a:effectLst/>
-          <a:extLst>
-            <a:ext uri="{AF507438-7753-43E0-B8FC-AC1667EBCBE1}">
-              <a14:hiddenEffects xmlns:a14="http://schemas.microsoft.com/office/drawing/2010/main">
-                <a:effectLst>
-                  <a:outerShdw blurRad="63500" dist="38099" dir="2700000" algn="ctr" rotWithShape="0">
-                    <a:schemeClr val="bg2">
-                      <a:alpha val="74998"/>
-                    </a:schemeClr>
-                  </a:outerShdw>
-                </a:effectLst>
-              </a14:hiddenEffects>
-            </a:ext>
-          </a:extLst>
-        </p:spPr>
-        <p:txBody>
-          <a:bodyPr anchor="ctr"/>
-          <a:lstStyle/>
-          <a:p>
-            <a:pPr algn="ctr"/>
-            <a:r>
-              <a:rPr lang="en-US" altLang="ko-KR">
-                <a:latin typeface="Seravek Light" charset="0"/>
-                <a:ea typeface="Seravek Light" charset="0"/>
-                <a:cs typeface="Seravek Light" charset="0"/>
-              </a:rPr>
-              <a:t>Correlation</a:t>
-            </a:r>
-          </a:p>
-        </p:txBody>
-      </p:sp>
-      <p:sp>
-        <p:nvSpPr>
-          <p:cNvPr id="17" name="AutoShape 16"/>
-          <p:cNvSpPr>
-            <a:spLocks noChangeArrowheads="1"/>
-          </p:cNvSpPr>
-          <p:nvPr/>
-        </p:nvSpPr>
-        <p:spPr bwMode="auto">
-          <a:xfrm>
-            <a:off x="2209800" y="5257800"/>
-            <a:ext cx="1752600" cy="533400"/>
-          </a:xfrm>
-          <a:prstGeom prst="roundRect">
-            <a:avLst>
-              <a:gd name="adj" fmla="val 16667"/>
-            </a:avLst>
-          </a:prstGeom>
-          <a:solidFill>
-            <a:srgbClr val="00B0F0"/>
-          </a:solidFill>
-          <a:ln w="9525">
-            <a:solidFill>
-              <a:schemeClr val="tx1"/>
-            </a:solidFill>
-            <a:round/>
-            <a:headEnd/>
-            <a:tailEnd/>
-          </a:ln>
-          <a:effectLst/>
-        </p:spPr>
-        <p:txBody>
-          <a:bodyPr anchor="ctr"/>
-          <a:lstStyle/>
-          <a:p>
-            <a:pPr algn="ctr"/>
-            <a:r>
-              <a:rPr lang="en-US" altLang="ko-KR">
-                <a:latin typeface="Seravek Light" charset="0"/>
-                <a:ea typeface="Seravek Light" charset="0"/>
-                <a:cs typeface="Seravek Light" charset="0"/>
-              </a:rPr>
-              <a:t>categorical</a:t>
-            </a:r>
-          </a:p>
-        </p:txBody>
-      </p:sp>
-      <p:sp>
-        <p:nvSpPr>
-          <p:cNvPr id="18" name="AutoShape 17"/>
-          <p:cNvSpPr>
-            <a:spLocks noChangeArrowheads="1"/>
-          </p:cNvSpPr>
-          <p:nvPr/>
-        </p:nvSpPr>
-        <p:spPr bwMode="auto">
-          <a:xfrm>
-            <a:off x="4343400" y="2514600"/>
-            <a:ext cx="1752600" cy="533400"/>
-          </a:xfrm>
-          <a:prstGeom prst="roundRect">
-            <a:avLst>
-              <a:gd name="adj" fmla="val 16667"/>
-            </a:avLst>
-          </a:prstGeom>
-          <a:solidFill>
-            <a:srgbClr val="FF0000">
-              <a:alpha val="28999"/>
-            </a:srgbClr>
-          </a:solidFill>
-          <a:ln w="9525">
-            <a:solidFill>
-              <a:schemeClr val="tx1"/>
-            </a:solidFill>
-            <a:round/>
-            <a:headEnd/>
-            <a:tailEnd/>
-          </a:ln>
-          <a:effectLst/>
-          <a:extLst>
-            <a:ext uri="{AF507438-7753-43E0-B8FC-AC1667EBCBE1}">
-              <a14:hiddenEffects xmlns:a14="http://schemas.microsoft.com/office/drawing/2010/main">
-                <a:effectLst>
-                  <a:outerShdw blurRad="63500" dist="38099" dir="2700000" algn="ctr" rotWithShape="0">
-                    <a:schemeClr val="bg2">
-                      <a:alpha val="74998"/>
-                    </a:schemeClr>
-                  </a:outerShdw>
-                </a:effectLst>
-              </a14:hiddenEffects>
-            </a:ext>
-          </a:extLst>
-        </p:spPr>
-        <p:txBody>
-          <a:bodyPr anchor="ctr"/>
-          <a:lstStyle/>
-          <a:p>
-            <a:pPr algn="ctr"/>
-            <a:r>
-              <a:rPr lang="en-US" altLang="ko-KR">
-                <a:latin typeface="Seravek Light" charset="0"/>
-                <a:ea typeface="Seravek Light" charset="0"/>
-                <a:cs typeface="Seravek Light" charset="0"/>
-              </a:rPr>
-              <a:t>continuous</a:t>
-            </a:r>
-          </a:p>
-        </p:txBody>
-      </p:sp>
-      <p:sp>
-        <p:nvSpPr>
-          <p:cNvPr id="19" name="AutoShape 18"/>
-          <p:cNvSpPr>
-            <a:spLocks noChangeArrowheads="1"/>
-          </p:cNvSpPr>
-          <p:nvPr/>
-        </p:nvSpPr>
-        <p:spPr bwMode="auto">
-          <a:xfrm>
-            <a:off x="4343400" y="3505200"/>
-            <a:ext cx="1752600" cy="533400"/>
-          </a:xfrm>
-          <a:prstGeom prst="roundRect">
-            <a:avLst>
-              <a:gd name="adj" fmla="val 16667"/>
-            </a:avLst>
-          </a:prstGeom>
-          <a:solidFill>
-            <a:srgbClr val="FFFF00">
-              <a:alpha val="28999"/>
-            </a:srgbClr>
-          </a:solidFill>
-          <a:ln w="9525">
-            <a:solidFill>
-              <a:schemeClr val="tx1"/>
-            </a:solidFill>
-            <a:round/>
-            <a:headEnd/>
-            <a:tailEnd/>
-          </a:ln>
-          <a:effectLst/>
-          <a:extLst>
-            <a:ext uri="{AF507438-7753-43E0-B8FC-AC1667EBCBE1}">
-              <a14:hiddenEffects xmlns:a14="http://schemas.microsoft.com/office/drawing/2010/main">
-                <a:effectLst>
-                  <a:outerShdw blurRad="63500" dist="38099" dir="2700000" algn="ctr" rotWithShape="0">
-                    <a:schemeClr val="bg2">
-                      <a:alpha val="74998"/>
-                    </a:schemeClr>
-                  </a:outerShdw>
-                </a:effectLst>
-              </a14:hiddenEffects>
-            </a:ext>
-          </a:extLst>
-        </p:spPr>
-        <p:txBody>
-          <a:bodyPr anchor="ctr"/>
-          <a:lstStyle/>
-          <a:p>
-            <a:pPr algn="ctr"/>
-            <a:r>
-              <a:rPr lang="en-US" altLang="ko-KR">
-                <a:latin typeface="Seravek Light" charset="0"/>
-                <a:ea typeface="Seravek Light" charset="0"/>
-                <a:cs typeface="Seravek Light" charset="0"/>
-              </a:rPr>
-              <a:t>categorical</a:t>
-            </a:r>
-          </a:p>
-        </p:txBody>
-      </p:sp>
-      <p:sp>
-        <p:nvSpPr>
-          <p:cNvPr id="20" name="AutoShape 19"/>
-          <p:cNvSpPr>
-            <a:spLocks noChangeArrowheads="1"/>
-          </p:cNvSpPr>
-          <p:nvPr/>
-        </p:nvSpPr>
-        <p:spPr bwMode="auto">
-          <a:xfrm>
-            <a:off x="4343400" y="4724400"/>
-            <a:ext cx="1752600" cy="533400"/>
-          </a:xfrm>
-          <a:prstGeom prst="roundRect">
-            <a:avLst>
-              <a:gd name="adj" fmla="val 16667"/>
-            </a:avLst>
-          </a:prstGeom>
-          <a:solidFill>
-            <a:schemeClr val="bg2">
-              <a:alpha val="25000"/>
-            </a:schemeClr>
-          </a:solidFill>
-          <a:ln w="9525">
-            <a:solidFill>
-              <a:schemeClr val="tx1"/>
-            </a:solidFill>
-            <a:round/>
-            <a:headEnd/>
-            <a:tailEnd/>
-          </a:ln>
-          <a:effectLst/>
-          <a:extLst>
-            <a:ext uri="{AF507438-7753-43E0-B8FC-AC1667EBCBE1}">
-              <a14:hiddenEffects xmlns:a14="http://schemas.microsoft.com/office/drawing/2010/main">
-                <a:effectLst>
-                  <a:outerShdw blurRad="63500" dist="38099" dir="2700000" algn="ctr" rotWithShape="0">
-                    <a:schemeClr val="bg2">
-                      <a:alpha val="74998"/>
-                    </a:schemeClr>
-                  </a:outerShdw>
-                </a:effectLst>
-              </a14:hiddenEffects>
-            </a:ext>
-          </a:extLst>
-        </p:spPr>
-        <p:txBody>
-          <a:bodyPr anchor="ctr"/>
-          <a:lstStyle/>
-          <a:p>
-            <a:pPr algn="ctr"/>
-            <a:r>
-              <a:rPr lang="en-US" altLang="ko-KR">
-                <a:latin typeface="Seravek Light" charset="0"/>
-                <a:ea typeface="Seravek Light" charset="0"/>
-                <a:cs typeface="Seravek Light" charset="0"/>
-              </a:rPr>
-              <a:t>continuous</a:t>
-            </a:r>
-          </a:p>
-        </p:txBody>
-      </p:sp>
-      <p:sp>
-        <p:nvSpPr>
-          <p:cNvPr id="21" name="AutoShape 20"/>
-          <p:cNvSpPr>
-            <a:spLocks noChangeArrowheads="1"/>
-          </p:cNvSpPr>
-          <p:nvPr/>
-        </p:nvSpPr>
-        <p:spPr bwMode="auto">
-          <a:xfrm>
-            <a:off x="4343400" y="5734050"/>
-            <a:ext cx="1752600" cy="533400"/>
-          </a:xfrm>
-          <a:prstGeom prst="roundRect">
-            <a:avLst>
-              <a:gd name="adj" fmla="val 16667"/>
-            </a:avLst>
-          </a:prstGeom>
-          <a:solidFill>
-            <a:srgbClr val="0000FF">
-              <a:alpha val="25000"/>
-            </a:srgbClr>
-          </a:solidFill>
-          <a:ln w="9525">
-            <a:solidFill>
-              <a:schemeClr val="tx1"/>
-            </a:solidFill>
-            <a:round/>
-            <a:headEnd/>
-            <a:tailEnd/>
-          </a:ln>
-          <a:effectLst/>
-          <a:extLst>
-            <a:ext uri="{AF507438-7753-43E0-B8FC-AC1667EBCBE1}">
-              <a14:hiddenEffects xmlns:a14="http://schemas.microsoft.com/office/drawing/2010/main">
-                <a:effectLst>
-                  <a:outerShdw blurRad="63500" dist="38099" dir="2700000" algn="ctr" rotWithShape="0">
-                    <a:schemeClr val="bg2">
-                      <a:alpha val="74998"/>
-                    </a:schemeClr>
-                  </a:outerShdw>
-                </a:effectLst>
-              </a14:hiddenEffects>
-            </a:ext>
-          </a:extLst>
-        </p:spPr>
-        <p:txBody>
-          <a:bodyPr anchor="ctr"/>
-          <a:lstStyle/>
-          <a:p>
-            <a:pPr algn="ctr"/>
-            <a:r>
-              <a:rPr lang="en-US" altLang="ko-KR">
-                <a:latin typeface="Seravek Light" charset="0"/>
-                <a:ea typeface="Seravek Light" charset="0"/>
-                <a:cs typeface="Seravek Light" charset="0"/>
-              </a:rPr>
-              <a:t>categorical</a:t>
-            </a:r>
-          </a:p>
-        </p:txBody>
-      </p:sp>
-      <p:sp>
-        <p:nvSpPr>
-          <p:cNvPr id="22" name="AutoShape 21"/>
-          <p:cNvSpPr>
-            <a:spLocks noChangeArrowheads="1"/>
-          </p:cNvSpPr>
-          <p:nvPr/>
-        </p:nvSpPr>
-        <p:spPr bwMode="auto">
-          <a:xfrm>
-            <a:off x="6553200" y="2667000"/>
-            <a:ext cx="1752600" cy="533400"/>
-          </a:xfrm>
-          <a:prstGeom prst="roundRect">
-            <a:avLst>
-              <a:gd name="adj" fmla="val 16667"/>
-            </a:avLst>
-          </a:prstGeom>
-          <a:solidFill>
-            <a:srgbClr val="FF0000">
-              <a:alpha val="28999"/>
-            </a:srgbClr>
-          </a:solidFill>
-          <a:ln w="9525">
-            <a:solidFill>
-              <a:schemeClr val="tx1"/>
-            </a:solidFill>
-            <a:round/>
-            <a:headEnd/>
-            <a:tailEnd/>
-          </a:ln>
-          <a:effectLst/>
-          <a:extLst>
-            <a:ext uri="{AF507438-7753-43E0-B8FC-AC1667EBCBE1}">
-              <a14:hiddenEffects xmlns:a14="http://schemas.microsoft.com/office/drawing/2010/main">
-                <a:effectLst>
-                  <a:outerShdw blurRad="63500" dist="38099" dir="2700000" algn="ctr" rotWithShape="0">
-                    <a:schemeClr val="bg2">
-                      <a:alpha val="74998"/>
-                    </a:schemeClr>
-                  </a:outerShdw>
-                </a:effectLst>
-              </a14:hiddenEffects>
-            </a:ext>
-          </a:extLst>
-        </p:spPr>
-        <p:txBody>
-          <a:bodyPr anchor="ctr"/>
-          <a:lstStyle/>
-          <a:p>
-            <a:pPr algn="ctr"/>
-            <a:r>
-              <a:rPr lang="en-US" altLang="ko-KR">
-                <a:latin typeface="Seravek Light" charset="0"/>
-                <a:ea typeface="Seravek Light" charset="0"/>
-                <a:cs typeface="Seravek Light" charset="0"/>
-              </a:rPr>
-              <a:t>Regression</a:t>
-            </a:r>
-          </a:p>
-        </p:txBody>
-      </p:sp>
-      <p:sp>
-        <p:nvSpPr>
-          <p:cNvPr id="23" name="AutoShape 22"/>
-          <p:cNvSpPr>
-            <a:spLocks noChangeArrowheads="1"/>
-          </p:cNvSpPr>
-          <p:nvPr/>
-        </p:nvSpPr>
-        <p:spPr bwMode="auto">
-          <a:xfrm>
-            <a:off x="6553200" y="3276600"/>
-            <a:ext cx="1752600" cy="533400"/>
-          </a:xfrm>
-          <a:prstGeom prst="roundRect">
-            <a:avLst>
-              <a:gd name="adj" fmla="val 16667"/>
-            </a:avLst>
-          </a:prstGeom>
-          <a:solidFill>
-            <a:srgbClr val="FFFF00">
-              <a:alpha val="28999"/>
-            </a:srgbClr>
-          </a:solidFill>
-          <a:ln w="9525">
-            <a:solidFill>
-              <a:schemeClr val="tx1"/>
-            </a:solidFill>
-            <a:round/>
-            <a:headEnd/>
-            <a:tailEnd/>
-          </a:ln>
-          <a:effectLst/>
-          <a:extLst>
-            <a:ext uri="{AF507438-7753-43E0-B8FC-AC1667EBCBE1}">
-              <a14:hiddenEffects xmlns:a14="http://schemas.microsoft.com/office/drawing/2010/main">
-                <a:effectLst>
-                  <a:outerShdw blurRad="63500" dist="38099" dir="2700000" algn="ctr" rotWithShape="0">
-                    <a:schemeClr val="bg2">
-                      <a:alpha val="74998"/>
-                    </a:schemeClr>
-                  </a:outerShdw>
-                </a:effectLst>
-              </a14:hiddenEffects>
-            </a:ext>
-          </a:extLst>
-        </p:spPr>
-        <p:txBody>
-          <a:bodyPr anchor="ctr"/>
-          <a:lstStyle/>
-          <a:p>
-            <a:pPr algn="ctr"/>
-            <a:r>
-              <a:rPr lang="en-US" altLang="ko-KR">
-                <a:latin typeface="Seravek Light" charset="0"/>
-                <a:ea typeface="Seravek Light" charset="0"/>
-                <a:cs typeface="Seravek Light" charset="0"/>
-              </a:rPr>
-              <a:t>T-test</a:t>
-            </a:r>
-          </a:p>
-        </p:txBody>
-      </p:sp>
-      <p:sp>
-        <p:nvSpPr>
-          <p:cNvPr id="24" name="AutoShape 23"/>
-          <p:cNvSpPr>
-            <a:spLocks noChangeArrowheads="1"/>
-          </p:cNvSpPr>
-          <p:nvPr/>
-        </p:nvSpPr>
-        <p:spPr bwMode="auto">
-          <a:xfrm>
-            <a:off x="6553200" y="3886200"/>
-            <a:ext cx="1752600" cy="533400"/>
-          </a:xfrm>
-          <a:prstGeom prst="roundRect">
-            <a:avLst>
-              <a:gd name="adj" fmla="val 16667"/>
-            </a:avLst>
-          </a:prstGeom>
-          <a:solidFill>
-            <a:srgbClr val="FFFF00">
-              <a:alpha val="28999"/>
-            </a:srgbClr>
-          </a:solidFill>
-          <a:ln w="9525">
-            <a:solidFill>
-              <a:schemeClr val="tx1"/>
-            </a:solidFill>
-            <a:round/>
-            <a:headEnd/>
-            <a:tailEnd/>
-          </a:ln>
-          <a:effectLst/>
-          <a:extLst>
-            <a:ext uri="{AF507438-7753-43E0-B8FC-AC1667EBCBE1}">
-              <a14:hiddenEffects xmlns:a14="http://schemas.microsoft.com/office/drawing/2010/main">
-                <a:effectLst>
-                  <a:outerShdw blurRad="63500" dist="38099" dir="2700000" algn="ctr" rotWithShape="0">
-                    <a:schemeClr val="bg2">
-                      <a:alpha val="74998"/>
-                    </a:schemeClr>
-                  </a:outerShdw>
-                </a:effectLst>
-              </a14:hiddenEffects>
-            </a:ext>
-          </a:extLst>
-        </p:spPr>
-        <p:txBody>
-          <a:bodyPr anchor="ctr"/>
-          <a:lstStyle/>
-          <a:p>
-            <a:pPr algn="ctr"/>
-            <a:r>
-              <a:rPr lang="en-US" altLang="ko-KR">
-                <a:latin typeface="Seravek Light" charset="0"/>
-                <a:ea typeface="Seravek Light" charset="0"/>
-                <a:cs typeface="Seravek Light" charset="0"/>
-              </a:rPr>
-              <a:t>ANOVA</a:t>
-            </a:r>
-          </a:p>
-        </p:txBody>
-      </p:sp>
-      <p:sp>
-        <p:nvSpPr>
-          <p:cNvPr id="25" name="AutoShape 24"/>
-          <p:cNvSpPr>
-            <a:spLocks noChangeArrowheads="1"/>
-          </p:cNvSpPr>
-          <p:nvPr/>
-        </p:nvSpPr>
-        <p:spPr bwMode="auto">
-          <a:xfrm>
-            <a:off x="6553200" y="1219200"/>
-            <a:ext cx="1752600" cy="609600"/>
-          </a:xfrm>
-          <a:prstGeom prst="roundRect">
-            <a:avLst>
-              <a:gd name="adj" fmla="val 16667"/>
-            </a:avLst>
-          </a:prstGeom>
-          <a:solidFill>
-            <a:schemeClr val="bg2">
-              <a:alpha val="27000"/>
-            </a:schemeClr>
-          </a:solidFill>
-          <a:ln w="9525">
-            <a:solidFill>
-              <a:schemeClr val="tx1"/>
-            </a:solidFill>
-            <a:round/>
-            <a:headEnd/>
-            <a:tailEnd/>
-          </a:ln>
-          <a:effectLst/>
-          <a:extLst>
-            <a:ext uri="{AF507438-7753-43E0-B8FC-AC1667EBCBE1}">
-              <a14:hiddenEffects xmlns:a14="http://schemas.microsoft.com/office/drawing/2010/main">
-                <a:effectLst>
-                  <a:outerShdw blurRad="63500" dist="38099" dir="2700000" algn="ctr" rotWithShape="0">
-                    <a:schemeClr val="bg2">
-                      <a:alpha val="74998"/>
-                    </a:schemeClr>
-                  </a:outerShdw>
-                </a:effectLst>
-              </a14:hiddenEffects>
-            </a:ext>
-          </a:extLst>
-        </p:spPr>
-        <p:txBody>
-          <a:bodyPr anchor="ctr"/>
-          <a:lstStyle/>
-          <a:p>
-            <a:pPr algn="ctr"/>
-            <a:r>
-              <a:rPr lang="en-US" altLang="ko-KR">
-                <a:latin typeface="Seravek Light" charset="0"/>
-                <a:ea typeface="Seravek Light" charset="0"/>
-                <a:cs typeface="Seravek Light" charset="0"/>
-              </a:rPr>
-              <a:t>Analysis</a:t>
-            </a:r>
-          </a:p>
-        </p:txBody>
-      </p:sp>
-      <p:sp>
-        <p:nvSpPr>
-          <p:cNvPr id="26" name="AutoShape 25"/>
-          <p:cNvSpPr>
-            <a:spLocks noChangeArrowheads="1"/>
-          </p:cNvSpPr>
-          <p:nvPr/>
-        </p:nvSpPr>
-        <p:spPr bwMode="auto">
-          <a:xfrm>
-            <a:off x="6553200" y="4724400"/>
-            <a:ext cx="1752600" cy="533400"/>
-          </a:xfrm>
-          <a:prstGeom prst="roundRect">
-            <a:avLst>
-              <a:gd name="adj" fmla="val 16667"/>
-            </a:avLst>
-          </a:prstGeom>
-          <a:solidFill>
-            <a:schemeClr val="bg2">
-              <a:alpha val="25000"/>
-            </a:schemeClr>
-          </a:solidFill>
-          <a:ln w="9525">
-            <a:solidFill>
-              <a:schemeClr val="tx1"/>
-            </a:solidFill>
-            <a:round/>
-            <a:headEnd/>
-            <a:tailEnd/>
-          </a:ln>
-          <a:effectLst/>
-          <a:extLst>
-            <a:ext uri="{AF507438-7753-43E0-B8FC-AC1667EBCBE1}">
-              <a14:hiddenEffects xmlns:a14="http://schemas.microsoft.com/office/drawing/2010/main">
-                <a:effectLst>
-                  <a:outerShdw blurRad="63500" dist="38099" dir="2700000" algn="ctr" rotWithShape="0">
-                    <a:schemeClr val="bg2">
-                      <a:alpha val="74998"/>
-                    </a:schemeClr>
-                  </a:outerShdw>
-                </a:effectLst>
-              </a14:hiddenEffects>
-            </a:ext>
-          </a:extLst>
-        </p:spPr>
-        <p:txBody>
-          <a:bodyPr anchor="ctr"/>
-          <a:lstStyle/>
-          <a:p>
-            <a:pPr algn="ctr"/>
-            <a:r>
-              <a:rPr lang="en-US" altLang="ko-KR" dirty="0">
-                <a:latin typeface="Seravek Light" charset="0"/>
-                <a:ea typeface="Seravek Light" charset="0"/>
-                <a:cs typeface="Seravek Light" charset="0"/>
-              </a:rPr>
-              <a:t>Logistic regression</a:t>
-            </a:r>
-          </a:p>
-        </p:txBody>
-      </p:sp>
-      <p:sp>
-        <p:nvSpPr>
-          <p:cNvPr id="27" name="AutoShape 26"/>
-          <p:cNvSpPr>
-            <a:spLocks noChangeArrowheads="1"/>
-          </p:cNvSpPr>
-          <p:nvPr/>
-        </p:nvSpPr>
-        <p:spPr bwMode="auto">
-          <a:xfrm>
-            <a:off x="6553200" y="5715000"/>
-            <a:ext cx="1752600" cy="533400"/>
-          </a:xfrm>
-          <a:prstGeom prst="roundRect">
-            <a:avLst>
-              <a:gd name="adj" fmla="val 16667"/>
-            </a:avLst>
-          </a:prstGeom>
-          <a:solidFill>
-            <a:srgbClr val="0000FF">
-              <a:alpha val="25000"/>
-            </a:srgbClr>
-          </a:solidFill>
-          <a:ln w="9525">
-            <a:solidFill>
-              <a:schemeClr val="tx1"/>
-            </a:solidFill>
-            <a:round/>
-            <a:headEnd/>
-            <a:tailEnd/>
-          </a:ln>
-          <a:effectLst/>
-          <a:extLst>
-            <a:ext uri="{AF507438-7753-43E0-B8FC-AC1667EBCBE1}">
-              <a14:hiddenEffects xmlns:a14="http://schemas.microsoft.com/office/drawing/2010/main">
-                <a:effectLst>
-                  <a:outerShdw blurRad="63500" dist="38099" dir="2700000" algn="ctr" rotWithShape="0">
-                    <a:schemeClr val="bg2">
-                      <a:alpha val="74998"/>
-                    </a:schemeClr>
-                  </a:outerShdw>
-                </a:effectLst>
-              </a14:hiddenEffects>
-            </a:ext>
-          </a:extLst>
-        </p:spPr>
-        <p:txBody>
-          <a:bodyPr anchor="ctr"/>
-          <a:lstStyle/>
-          <a:p>
-            <a:pPr algn="ctr"/>
-            <a:r>
-              <a:rPr lang="en-US" altLang="ko-KR">
-                <a:latin typeface="Seravek Light" charset="0"/>
-                <a:ea typeface="Seravek Light" charset="0"/>
-                <a:cs typeface="Seravek Light" charset="0"/>
-              </a:rPr>
-              <a:t>Chi square</a:t>
-            </a:r>
-          </a:p>
-        </p:txBody>
-      </p:sp>
-      <p:sp>
-        <p:nvSpPr>
-          <p:cNvPr id="28" name="AutoShape 27"/>
-          <p:cNvSpPr>
-            <a:spLocks noChangeArrowheads="1"/>
-          </p:cNvSpPr>
-          <p:nvPr/>
-        </p:nvSpPr>
-        <p:spPr bwMode="auto">
-          <a:xfrm rot="2491479">
-            <a:off x="4024313" y="3567113"/>
-            <a:ext cx="328612" cy="144462"/>
-          </a:xfrm>
-          <a:prstGeom prst="chevron">
-            <a:avLst>
-              <a:gd name="adj" fmla="val 56868"/>
-            </a:avLst>
-          </a:prstGeom>
-          <a:noFill/>
-          <a:ln w="9525">
-            <a:solidFill>
-              <a:schemeClr val="tx1"/>
-            </a:solidFill>
-            <a:miter lim="800000"/>
-            <a:headEnd/>
-            <a:tailEnd/>
-          </a:ln>
-          <a:effectLst/>
-          <a:extLst>
-            <a:ext uri="{909E8E84-426E-40DD-AFC4-6F175D3DCCD1}">
-              <a14:hiddenFill xmlns:a14="http://schemas.microsoft.com/office/drawing/2010/main">
-                <a:solidFill>
-                  <a:schemeClr val="accent1"/>
-                </a:solidFill>
-              </a14:hiddenFill>
-            </a:ext>
-            <a:ext uri="{AF507438-7753-43E0-B8FC-AC1667EBCBE1}">
-              <a14:hiddenEffects xmlns:a14="http://schemas.microsoft.com/office/drawing/2010/main">
-                <a:effectLst>
-                  <a:outerShdw blurRad="63500" dist="38099" dir="2700000" algn="ctr" rotWithShape="0">
-                    <a:schemeClr val="bg2">
-                      <a:alpha val="74998"/>
-                    </a:schemeClr>
-                  </a:outerShdw>
-                </a:effectLst>
-              </a14:hiddenEffects>
-            </a:ext>
-          </a:extLst>
-        </p:spPr>
-        <p:txBody>
-          <a:bodyPr wrap="none" anchor="ctr"/>
-          <a:lstStyle/>
-          <a:p>
-            <a:endParaRPr lang="ko-KR" altLang="en-US">
-              <a:latin typeface="Seravek Light" charset="0"/>
-              <a:ea typeface="Seravek Light" charset="0"/>
-              <a:cs typeface="Seravek Light" charset="0"/>
-            </a:endParaRPr>
-          </a:p>
-        </p:txBody>
-      </p:sp>
-      <p:sp>
-        <p:nvSpPr>
-          <p:cNvPr id="29" name="AutoShape 28"/>
-          <p:cNvSpPr>
-            <a:spLocks noChangeArrowheads="1"/>
-          </p:cNvSpPr>
-          <p:nvPr/>
-        </p:nvSpPr>
-        <p:spPr bwMode="auto">
-          <a:xfrm rot="-2267577">
-            <a:off x="6153151" y="2386013"/>
-            <a:ext cx="328613" cy="144462"/>
-          </a:xfrm>
-          <a:prstGeom prst="chevron">
-            <a:avLst>
-              <a:gd name="adj" fmla="val 56868"/>
-            </a:avLst>
-          </a:prstGeom>
-          <a:noFill/>
-          <a:ln w="9525">
-            <a:solidFill>
-              <a:schemeClr val="tx1"/>
-            </a:solidFill>
-            <a:miter lim="800000"/>
-            <a:headEnd/>
-            <a:tailEnd/>
-          </a:ln>
-          <a:effectLst/>
-          <a:extLst>
-            <a:ext uri="{909E8E84-426E-40DD-AFC4-6F175D3DCCD1}">
-              <a14:hiddenFill xmlns:a14="http://schemas.microsoft.com/office/drawing/2010/main">
-                <a:solidFill>
-                  <a:schemeClr val="accent1"/>
-                </a:solidFill>
-              </a14:hiddenFill>
-            </a:ext>
-            <a:ext uri="{AF507438-7753-43E0-B8FC-AC1667EBCBE1}">
-              <a14:hiddenEffects xmlns:a14="http://schemas.microsoft.com/office/drawing/2010/main">
-                <a:effectLst>
-                  <a:outerShdw blurRad="63500" dist="38099" dir="2700000" algn="ctr" rotWithShape="0">
-                    <a:schemeClr val="bg2">
-                      <a:alpha val="74998"/>
-                    </a:schemeClr>
-                  </a:outerShdw>
-                </a:effectLst>
-              </a14:hiddenEffects>
-            </a:ext>
-          </a:extLst>
-        </p:spPr>
-        <p:txBody>
-          <a:bodyPr wrap="none" anchor="ctr"/>
-          <a:lstStyle/>
-          <a:p>
-            <a:endParaRPr lang="ko-KR" altLang="en-US">
-              <a:latin typeface="Seravek Light" charset="0"/>
-              <a:ea typeface="Seravek Light" charset="0"/>
-              <a:cs typeface="Seravek Light" charset="0"/>
-            </a:endParaRPr>
-          </a:p>
-        </p:txBody>
-      </p:sp>
-      <p:sp>
-        <p:nvSpPr>
-          <p:cNvPr id="30" name="AutoShape 29"/>
-          <p:cNvSpPr>
-            <a:spLocks noChangeArrowheads="1"/>
-          </p:cNvSpPr>
-          <p:nvPr/>
-        </p:nvSpPr>
-        <p:spPr bwMode="auto">
-          <a:xfrm rot="2491479">
-            <a:off x="6172201" y="2786063"/>
-            <a:ext cx="328613" cy="144462"/>
-          </a:xfrm>
-          <a:prstGeom prst="chevron">
-            <a:avLst>
-              <a:gd name="adj" fmla="val 56868"/>
-            </a:avLst>
-          </a:prstGeom>
-          <a:noFill/>
-          <a:ln w="9525">
-            <a:solidFill>
-              <a:schemeClr val="tx1"/>
-            </a:solidFill>
-            <a:miter lim="800000"/>
-            <a:headEnd/>
-            <a:tailEnd/>
-          </a:ln>
-          <a:effectLst/>
-          <a:extLst>
-            <a:ext uri="{909E8E84-426E-40DD-AFC4-6F175D3DCCD1}">
-              <a14:hiddenFill xmlns:a14="http://schemas.microsoft.com/office/drawing/2010/main">
-                <a:solidFill>
-                  <a:schemeClr val="accent1"/>
-                </a:solidFill>
-              </a14:hiddenFill>
-            </a:ext>
-            <a:ext uri="{AF507438-7753-43E0-B8FC-AC1667EBCBE1}">
-              <a14:hiddenEffects xmlns:a14="http://schemas.microsoft.com/office/drawing/2010/main">
-                <a:effectLst>
-                  <a:outerShdw blurRad="63500" dist="38099" dir="2700000" algn="ctr" rotWithShape="0">
-                    <a:schemeClr val="bg2">
-                      <a:alpha val="74998"/>
-                    </a:schemeClr>
-                  </a:outerShdw>
-                </a:effectLst>
-              </a14:hiddenEffects>
-            </a:ext>
-          </a:extLst>
-        </p:spPr>
-        <p:txBody>
-          <a:bodyPr wrap="none" anchor="ctr"/>
-          <a:lstStyle/>
-          <a:p>
-            <a:endParaRPr lang="ko-KR" altLang="en-US">
-              <a:latin typeface="Seravek Light" charset="0"/>
-              <a:ea typeface="Seravek Light" charset="0"/>
-              <a:cs typeface="Seravek Light" charset="0"/>
-            </a:endParaRPr>
-          </a:p>
-        </p:txBody>
-      </p:sp>
-      <p:sp>
-        <p:nvSpPr>
-          <p:cNvPr id="31" name="AutoShape 30"/>
-          <p:cNvSpPr>
-            <a:spLocks noChangeArrowheads="1"/>
-          </p:cNvSpPr>
-          <p:nvPr/>
-        </p:nvSpPr>
-        <p:spPr bwMode="auto">
-          <a:xfrm rot="-2267577">
-            <a:off x="6153151" y="3562351"/>
-            <a:ext cx="328613" cy="144463"/>
-          </a:xfrm>
-          <a:prstGeom prst="chevron">
-            <a:avLst>
-              <a:gd name="adj" fmla="val 56868"/>
-            </a:avLst>
-          </a:prstGeom>
-          <a:noFill/>
-          <a:ln w="9525">
-            <a:solidFill>
-              <a:schemeClr val="tx1"/>
-            </a:solidFill>
-            <a:miter lim="800000"/>
-            <a:headEnd/>
-            <a:tailEnd/>
-          </a:ln>
-          <a:effectLst/>
-          <a:extLst>
-            <a:ext uri="{909E8E84-426E-40DD-AFC4-6F175D3DCCD1}">
-              <a14:hiddenFill xmlns:a14="http://schemas.microsoft.com/office/drawing/2010/main">
-                <a:solidFill>
-                  <a:schemeClr val="accent1"/>
-                </a:solidFill>
-              </a14:hiddenFill>
-            </a:ext>
-            <a:ext uri="{AF507438-7753-43E0-B8FC-AC1667EBCBE1}">
-              <a14:hiddenEffects xmlns:a14="http://schemas.microsoft.com/office/drawing/2010/main">
-                <a:effectLst>
-                  <a:outerShdw blurRad="63500" dist="38099" dir="2700000" algn="ctr" rotWithShape="0">
-                    <a:schemeClr val="bg2">
-                      <a:alpha val="74998"/>
-                    </a:schemeClr>
-                  </a:outerShdw>
-                </a:effectLst>
-              </a14:hiddenEffects>
-            </a:ext>
-          </a:extLst>
-        </p:spPr>
-        <p:txBody>
-          <a:bodyPr wrap="none" anchor="ctr"/>
-          <a:lstStyle/>
-          <a:p>
-            <a:endParaRPr lang="ko-KR" altLang="en-US">
-              <a:latin typeface="Seravek Light" charset="0"/>
-              <a:ea typeface="Seravek Light" charset="0"/>
-              <a:cs typeface="Seravek Light" charset="0"/>
-            </a:endParaRPr>
-          </a:p>
-        </p:txBody>
-      </p:sp>
-      <p:sp>
-        <p:nvSpPr>
-          <p:cNvPr id="32" name="AutoShape 31"/>
-          <p:cNvSpPr>
-            <a:spLocks noChangeArrowheads="1"/>
-          </p:cNvSpPr>
-          <p:nvPr/>
-        </p:nvSpPr>
-        <p:spPr bwMode="auto">
-          <a:xfrm rot="2491479">
-            <a:off x="6172201" y="3962401"/>
-            <a:ext cx="328613" cy="144463"/>
-          </a:xfrm>
-          <a:prstGeom prst="chevron">
-            <a:avLst>
-              <a:gd name="adj" fmla="val 56868"/>
-            </a:avLst>
-          </a:prstGeom>
-          <a:noFill/>
-          <a:ln w="9525">
-            <a:solidFill>
-              <a:schemeClr val="tx1"/>
-            </a:solidFill>
-            <a:miter lim="800000"/>
-            <a:headEnd/>
-            <a:tailEnd/>
-          </a:ln>
-          <a:effectLst/>
-          <a:extLst>
-            <a:ext uri="{909E8E84-426E-40DD-AFC4-6F175D3DCCD1}">
-              <a14:hiddenFill xmlns:a14="http://schemas.microsoft.com/office/drawing/2010/main">
-                <a:solidFill>
-                  <a:schemeClr val="accent1"/>
-                </a:solidFill>
-              </a14:hiddenFill>
-            </a:ext>
-            <a:ext uri="{AF507438-7753-43E0-B8FC-AC1667EBCBE1}">
-              <a14:hiddenEffects xmlns:a14="http://schemas.microsoft.com/office/drawing/2010/main">
-                <a:effectLst>
-                  <a:outerShdw blurRad="63500" dist="38099" dir="2700000" algn="ctr" rotWithShape="0">
-                    <a:schemeClr val="bg2">
-                      <a:alpha val="74998"/>
-                    </a:schemeClr>
-                  </a:outerShdw>
-                </a:effectLst>
-              </a14:hiddenEffects>
-            </a:ext>
-          </a:extLst>
-        </p:spPr>
-        <p:txBody>
-          <a:bodyPr wrap="none" anchor="ctr"/>
-          <a:lstStyle/>
-          <a:p>
-            <a:endParaRPr lang="ko-KR" altLang="en-US">
-              <a:latin typeface="Seravek Light" charset="0"/>
-              <a:ea typeface="Seravek Light" charset="0"/>
-              <a:cs typeface="Seravek Light" charset="0"/>
-            </a:endParaRPr>
-          </a:p>
-        </p:txBody>
-      </p:sp>
-      <p:sp>
-        <p:nvSpPr>
-          <p:cNvPr id="33" name="AutoShape 32"/>
-          <p:cNvSpPr>
-            <a:spLocks noChangeArrowheads="1"/>
-          </p:cNvSpPr>
-          <p:nvPr/>
-        </p:nvSpPr>
-        <p:spPr bwMode="auto">
-          <a:xfrm rot="26659">
-            <a:off x="6172201" y="4953001"/>
-            <a:ext cx="328613" cy="144463"/>
-          </a:xfrm>
-          <a:prstGeom prst="chevron">
-            <a:avLst>
-              <a:gd name="adj" fmla="val 56868"/>
-            </a:avLst>
-          </a:prstGeom>
-          <a:noFill/>
-          <a:ln w="9525">
-            <a:solidFill>
-              <a:schemeClr val="tx1"/>
-            </a:solidFill>
-            <a:miter lim="800000"/>
-            <a:headEnd/>
-            <a:tailEnd/>
-          </a:ln>
-          <a:effectLst/>
-          <a:extLst>
-            <a:ext uri="{909E8E84-426E-40DD-AFC4-6F175D3DCCD1}">
-              <a14:hiddenFill xmlns:a14="http://schemas.microsoft.com/office/drawing/2010/main">
-                <a:solidFill>
-                  <a:schemeClr val="accent1"/>
-                </a:solidFill>
-              </a14:hiddenFill>
-            </a:ext>
-            <a:ext uri="{AF507438-7753-43E0-B8FC-AC1667EBCBE1}">
-              <a14:hiddenEffects xmlns:a14="http://schemas.microsoft.com/office/drawing/2010/main">
-                <a:effectLst>
-                  <a:outerShdw blurRad="63500" dist="38099" dir="2700000" algn="ctr" rotWithShape="0">
-                    <a:schemeClr val="bg2">
-                      <a:alpha val="74998"/>
-                    </a:schemeClr>
-                  </a:outerShdw>
-                </a:effectLst>
-              </a14:hiddenEffects>
-            </a:ext>
-          </a:extLst>
-        </p:spPr>
-        <p:txBody>
-          <a:bodyPr wrap="none" anchor="ctr"/>
-          <a:lstStyle/>
-          <a:p>
-            <a:endParaRPr lang="ko-KR" altLang="en-US">
-              <a:latin typeface="Seravek Light" charset="0"/>
-              <a:ea typeface="Seravek Light" charset="0"/>
-              <a:cs typeface="Seravek Light" charset="0"/>
-            </a:endParaRPr>
-          </a:p>
-        </p:txBody>
-      </p:sp>
-      <p:sp>
-        <p:nvSpPr>
-          <p:cNvPr id="34" name="AutoShape 33"/>
-          <p:cNvSpPr>
-            <a:spLocks noChangeArrowheads="1"/>
-          </p:cNvSpPr>
-          <p:nvPr/>
-        </p:nvSpPr>
-        <p:spPr bwMode="auto">
-          <a:xfrm rot="26659">
-            <a:off x="6172201" y="5943601"/>
-            <a:ext cx="328613" cy="144463"/>
-          </a:xfrm>
-          <a:prstGeom prst="chevron">
-            <a:avLst>
-              <a:gd name="adj" fmla="val 56868"/>
-            </a:avLst>
-          </a:prstGeom>
-          <a:noFill/>
-          <a:ln w="9525">
-            <a:solidFill>
-              <a:schemeClr val="tx1"/>
-            </a:solidFill>
-            <a:miter lim="800000"/>
-            <a:headEnd/>
-            <a:tailEnd/>
-          </a:ln>
-          <a:effectLst/>
-          <a:extLst>
-            <a:ext uri="{909E8E84-426E-40DD-AFC4-6F175D3DCCD1}">
-              <a14:hiddenFill xmlns:a14="http://schemas.microsoft.com/office/drawing/2010/main">
-                <a:solidFill>
-                  <a:schemeClr val="accent1"/>
-                </a:solidFill>
-              </a14:hiddenFill>
-            </a:ext>
-            <a:ext uri="{AF507438-7753-43E0-B8FC-AC1667EBCBE1}">
-              <a14:hiddenEffects xmlns:a14="http://schemas.microsoft.com/office/drawing/2010/main">
-                <a:effectLst>
-                  <a:outerShdw blurRad="63500" dist="38099" dir="2700000" algn="ctr" rotWithShape="0">
-                    <a:schemeClr val="bg2">
-                      <a:alpha val="74998"/>
-                    </a:schemeClr>
-                  </a:outerShdw>
-                </a:effectLst>
-              </a14:hiddenEffects>
-            </a:ext>
-          </a:extLst>
-        </p:spPr>
-        <p:txBody>
-          <a:bodyPr wrap="none" anchor="ctr"/>
-          <a:lstStyle/>
-          <a:p>
-            <a:endParaRPr lang="ko-KR" altLang="en-US">
-              <a:latin typeface="Seravek Light" charset="0"/>
-              <a:ea typeface="Seravek Light" charset="0"/>
-              <a:cs typeface="Seravek Light" charset="0"/>
-            </a:endParaRPr>
-          </a:p>
-        </p:txBody>
-      </p:sp>
-      <p:sp>
-        <p:nvSpPr>
-          <p:cNvPr id="35" name="AutoShape 34"/>
-          <p:cNvSpPr>
-            <a:spLocks noChangeArrowheads="1"/>
-          </p:cNvSpPr>
-          <p:nvPr/>
-        </p:nvSpPr>
-        <p:spPr bwMode="auto">
-          <a:xfrm rot="-2267577">
-            <a:off x="3986213" y="5133976"/>
-            <a:ext cx="328612" cy="144463"/>
-          </a:xfrm>
-          <a:prstGeom prst="chevron">
-            <a:avLst>
-              <a:gd name="adj" fmla="val 56868"/>
-            </a:avLst>
-          </a:prstGeom>
-          <a:noFill/>
-          <a:ln w="9525">
-            <a:solidFill>
-              <a:schemeClr val="tx1"/>
-            </a:solidFill>
-            <a:miter lim="800000"/>
-            <a:headEnd/>
-            <a:tailEnd/>
-          </a:ln>
-          <a:effectLst/>
-          <a:extLst>
-            <a:ext uri="{909E8E84-426E-40DD-AFC4-6F175D3DCCD1}">
-              <a14:hiddenFill xmlns:a14="http://schemas.microsoft.com/office/drawing/2010/main">
-                <a:solidFill>
-                  <a:schemeClr val="accent1"/>
-                </a:solidFill>
-              </a14:hiddenFill>
-            </a:ext>
-            <a:ext uri="{AF507438-7753-43E0-B8FC-AC1667EBCBE1}">
-              <a14:hiddenEffects xmlns:a14="http://schemas.microsoft.com/office/drawing/2010/main">
-                <a:effectLst>
-                  <a:outerShdw blurRad="63500" dist="38099" dir="2700000" algn="ctr" rotWithShape="0">
-                    <a:schemeClr val="bg2">
-                      <a:alpha val="74998"/>
-                    </a:schemeClr>
-                  </a:outerShdw>
-                </a:effectLst>
-              </a14:hiddenEffects>
-            </a:ext>
-          </a:extLst>
-        </p:spPr>
-        <p:txBody>
-          <a:bodyPr wrap="none" anchor="ctr"/>
-          <a:lstStyle/>
-          <a:p>
-            <a:endParaRPr lang="ko-KR" altLang="en-US">
-              <a:latin typeface="Seravek Light" charset="0"/>
-              <a:ea typeface="Seravek Light" charset="0"/>
-              <a:cs typeface="Seravek Light" charset="0"/>
-            </a:endParaRPr>
-          </a:p>
-        </p:txBody>
-      </p:sp>
-      <p:sp>
-        <p:nvSpPr>
-          <p:cNvPr id="36" name="AutoShape 35"/>
-          <p:cNvSpPr>
-            <a:spLocks noChangeArrowheads="1"/>
-          </p:cNvSpPr>
-          <p:nvPr/>
-        </p:nvSpPr>
-        <p:spPr bwMode="auto">
-          <a:xfrm rot="2491479">
-            <a:off x="4005263" y="5791201"/>
-            <a:ext cx="328612" cy="144463"/>
-          </a:xfrm>
-          <a:prstGeom prst="chevron">
-            <a:avLst>
-              <a:gd name="adj" fmla="val 56868"/>
-            </a:avLst>
-          </a:prstGeom>
-          <a:noFill/>
-          <a:ln w="9525">
-            <a:solidFill>
-              <a:schemeClr val="tx1"/>
-            </a:solidFill>
-            <a:miter lim="800000"/>
-            <a:headEnd/>
-            <a:tailEnd/>
-          </a:ln>
-          <a:effectLst/>
-          <a:extLst>
-            <a:ext uri="{909E8E84-426E-40DD-AFC4-6F175D3DCCD1}">
-              <a14:hiddenFill xmlns:a14="http://schemas.microsoft.com/office/drawing/2010/main">
-                <a:solidFill>
-                  <a:schemeClr val="accent1"/>
-                </a:solidFill>
-              </a14:hiddenFill>
-            </a:ext>
-            <a:ext uri="{AF507438-7753-43E0-B8FC-AC1667EBCBE1}">
-              <a14:hiddenEffects xmlns:a14="http://schemas.microsoft.com/office/drawing/2010/main">
-                <a:effectLst>
-                  <a:outerShdw blurRad="63500" dist="38099" dir="2700000" algn="ctr" rotWithShape="0">
-                    <a:schemeClr val="bg2">
-                      <a:alpha val="74998"/>
-                    </a:schemeClr>
-                  </a:outerShdw>
-                </a:effectLst>
-              </a14:hiddenEffects>
-            </a:ext>
-          </a:extLst>
-        </p:spPr>
-        <p:txBody>
-          <a:bodyPr wrap="none" anchor="ctr"/>
-          <a:lstStyle/>
-          <a:p>
-            <a:endParaRPr lang="ko-KR" altLang="en-US">
-              <a:latin typeface="Seravek Light" charset="0"/>
-              <a:ea typeface="Seravek Light" charset="0"/>
-              <a:cs typeface="Seravek Light" charset="0"/>
-            </a:endParaRPr>
-          </a:p>
-        </p:txBody>
-      </p:sp>
-      <p:sp>
-        <p:nvSpPr>
-          <p:cNvPr id="37" name="AutoShape 36"/>
-          <p:cNvSpPr>
-            <a:spLocks noChangeArrowheads="1"/>
-          </p:cNvSpPr>
-          <p:nvPr/>
-        </p:nvSpPr>
-        <p:spPr bwMode="auto">
-          <a:xfrm>
-            <a:off x="2286000" y="1219200"/>
-            <a:ext cx="1752600" cy="609600"/>
-          </a:xfrm>
-          <a:prstGeom prst="roundRect">
-            <a:avLst>
-              <a:gd name="adj" fmla="val 16667"/>
-            </a:avLst>
-          </a:prstGeom>
-          <a:solidFill>
-            <a:schemeClr val="bg2">
-              <a:alpha val="27000"/>
-            </a:schemeClr>
-          </a:solidFill>
-          <a:ln w="9525">
-            <a:solidFill>
-              <a:schemeClr val="tx1"/>
-            </a:solidFill>
-            <a:round/>
-            <a:headEnd/>
-            <a:tailEnd/>
-          </a:ln>
-          <a:effectLst/>
-          <a:extLst>
-            <a:ext uri="{AF507438-7753-43E0-B8FC-AC1667EBCBE1}">
-              <a14:hiddenEffects xmlns:a14="http://schemas.microsoft.com/office/drawing/2010/main">
-                <a:effectLst>
-                  <a:outerShdw blurRad="63500" dist="38099" dir="2700000" algn="ctr" rotWithShape="0">
-                    <a:schemeClr val="bg2">
-                      <a:alpha val="74998"/>
-                    </a:schemeClr>
-                  </a:outerShdw>
-                </a:effectLst>
-              </a14:hiddenEffects>
-            </a:ext>
-          </a:extLst>
-        </p:spPr>
-        <p:txBody>
-          <a:bodyPr anchor="ctr"/>
-          <a:lstStyle/>
-          <a:p>
-            <a:pPr algn="ctr"/>
-            <a:r>
-              <a:rPr lang="en-US" altLang="ko-KR">
-                <a:latin typeface="Seravek Light" charset="0"/>
-                <a:ea typeface="Seravek Light" charset="0"/>
-                <a:cs typeface="Seravek Light" charset="0"/>
-              </a:rPr>
-              <a:t>DV</a:t>
-            </a:r>
-          </a:p>
-        </p:txBody>
-      </p:sp>
-      <p:sp>
-        <p:nvSpPr>
-          <p:cNvPr id="38" name="Line 37"/>
-          <p:cNvSpPr>
-            <a:spLocks noChangeShapeType="1"/>
-          </p:cNvSpPr>
-          <p:nvPr/>
-        </p:nvSpPr>
-        <p:spPr bwMode="auto">
-          <a:xfrm>
-            <a:off x="2286000" y="1947863"/>
-            <a:ext cx="6019800" cy="0"/>
-          </a:xfrm>
-          <a:prstGeom prst="line">
-            <a:avLst/>
-          </a:prstGeom>
-          <a:noFill/>
-          <a:ln w="9525">
-            <a:solidFill>
-              <a:schemeClr val="tx1"/>
-            </a:solidFill>
-            <a:round/>
-            <a:headEnd/>
-            <a:tailEnd/>
-          </a:ln>
-          <a:effectLst/>
-          <a:extLst>
-            <a:ext uri="{909E8E84-426E-40DD-AFC4-6F175D3DCCD1}">
-              <a14:hiddenFill xmlns:a14="http://schemas.microsoft.com/office/drawing/2010/main">
-                <a:noFill/>
-              </a14:hiddenFill>
-            </a:ext>
-            <a:ext uri="{AF507438-7753-43E0-B8FC-AC1667EBCBE1}">
-              <a14:hiddenEffects xmlns:a14="http://schemas.microsoft.com/office/drawing/2010/main">
-                <a:effectLst>
-                  <a:outerShdw blurRad="63500" dist="38099" dir="2700000" algn="ctr" rotWithShape="0">
-                    <a:schemeClr val="bg2">
-                      <a:alpha val="74998"/>
-                    </a:schemeClr>
-                  </a:outerShdw>
-                </a:effectLst>
-              </a14:hiddenEffects>
-            </a:ext>
-          </a:extLst>
-        </p:spPr>
-        <p:txBody>
-          <a:bodyPr wrap="none" anchor="ctr"/>
-          <a:lstStyle/>
-          <a:p>
-            <a:endParaRPr lang="ko-KR" altLang="en-US">
-              <a:latin typeface="Seravek Light" charset="0"/>
-              <a:ea typeface="Seravek Light" charset="0"/>
-              <a:cs typeface="Seravek Light" charset="0"/>
-            </a:endParaRPr>
-          </a:p>
-        </p:txBody>
-      </p:sp>
-      <p:sp>
-        <p:nvSpPr>
-          <p:cNvPr id="39" name="AutoShape 38"/>
-          <p:cNvSpPr>
-            <a:spLocks/>
-          </p:cNvSpPr>
-          <p:nvPr/>
-        </p:nvSpPr>
-        <p:spPr bwMode="auto">
-          <a:xfrm>
-            <a:off x="8382000" y="2057400"/>
-            <a:ext cx="533400" cy="2362200"/>
-          </a:xfrm>
-          <a:prstGeom prst="rightBrace">
-            <a:avLst>
-              <a:gd name="adj1" fmla="val 36905"/>
-              <a:gd name="adj2" fmla="val 50000"/>
-            </a:avLst>
-          </a:prstGeom>
-          <a:noFill/>
-          <a:ln w="9525">
-            <a:solidFill>
-              <a:schemeClr val="tx1"/>
-            </a:solidFill>
-            <a:round/>
-            <a:headEnd/>
-            <a:tailEnd/>
-          </a:ln>
-          <a:effectLst/>
-          <a:extLst>
-            <a:ext uri="{909E8E84-426E-40DD-AFC4-6F175D3DCCD1}">
-              <a14:hiddenFill xmlns:a14="http://schemas.microsoft.com/office/drawing/2010/main">
-                <a:solidFill>
-                  <a:schemeClr val="accent1"/>
-                </a:solidFill>
-              </a14:hiddenFill>
-            </a:ext>
-            <a:ext uri="{AF507438-7753-43E0-B8FC-AC1667EBCBE1}">
-              <a14:hiddenEffects xmlns:a14="http://schemas.microsoft.com/office/drawing/2010/main">
-                <a:effectLst>
-                  <a:outerShdw blurRad="63500" dist="38099" dir="2700000" algn="ctr" rotWithShape="0">
-                    <a:schemeClr val="bg2">
-                      <a:alpha val="74998"/>
-                    </a:schemeClr>
-                  </a:outerShdw>
-                </a:effectLst>
-              </a14:hiddenEffects>
-            </a:ext>
-          </a:extLst>
-        </p:spPr>
-        <p:txBody>
-          <a:bodyPr wrap="none" anchor="ctr"/>
-          <a:lstStyle/>
-          <a:p>
-            <a:endParaRPr lang="ko-KR" altLang="en-US">
-              <a:latin typeface="Seravek Light" charset="0"/>
-              <a:ea typeface="Seravek Light" charset="0"/>
-              <a:cs typeface="Seravek Light" charset="0"/>
-            </a:endParaRPr>
-          </a:p>
-        </p:txBody>
-      </p:sp>
-      <p:sp>
-        <p:nvSpPr>
-          <p:cNvPr id="40" name="AutoShape 39"/>
-          <p:cNvSpPr>
-            <a:spLocks noChangeArrowheads="1"/>
-          </p:cNvSpPr>
-          <p:nvPr/>
-        </p:nvSpPr>
-        <p:spPr bwMode="auto">
-          <a:xfrm>
-            <a:off x="8991600" y="2514600"/>
-            <a:ext cx="1447800" cy="1447800"/>
-          </a:xfrm>
-          <a:prstGeom prst="roundRect">
-            <a:avLst>
-              <a:gd name="adj" fmla="val 16667"/>
-            </a:avLst>
-          </a:prstGeom>
-          <a:solidFill>
-            <a:schemeClr val="bg2">
-              <a:alpha val="27000"/>
-            </a:schemeClr>
-          </a:solidFill>
-          <a:ln w="9525">
-            <a:solidFill>
-              <a:schemeClr val="tx1"/>
-            </a:solidFill>
-            <a:round/>
-            <a:headEnd/>
-            <a:tailEnd/>
-          </a:ln>
-          <a:effectLst/>
-          <a:extLst>
-            <a:ext uri="{AF507438-7753-43E0-B8FC-AC1667EBCBE1}">
-              <a14:hiddenEffects xmlns:a14="http://schemas.microsoft.com/office/drawing/2010/main">
-                <a:effectLst>
-                  <a:outerShdw blurRad="63500" dist="38099" dir="2700000" algn="ctr" rotWithShape="0">
-                    <a:schemeClr val="bg2">
-                      <a:alpha val="74998"/>
-                    </a:schemeClr>
-                  </a:outerShdw>
-                </a:effectLst>
-              </a14:hiddenEffects>
-            </a:ext>
-          </a:extLst>
-        </p:spPr>
-        <p:txBody>
-          <a:bodyPr anchor="ctr"/>
-          <a:lstStyle/>
-          <a:p>
-            <a:pPr algn="ctr"/>
-            <a:r>
-              <a:rPr lang="en-US" altLang="ko-KR">
-                <a:latin typeface="Seravek Light" charset="0"/>
-                <a:ea typeface="Seravek Light" charset="0"/>
-                <a:cs typeface="Seravek Light" charset="0"/>
-              </a:rPr>
-              <a:t>General Linear Model</a:t>
-            </a:r>
-          </a:p>
-        </p:txBody>
-      </p:sp>
-      <p:sp>
-        <p:nvSpPr>
-          <p:cNvPr id="41" name="직사각형 40"/>
-          <p:cNvSpPr/>
-          <p:nvPr/>
-        </p:nvSpPr>
-        <p:spPr>
-          <a:xfrm>
-            <a:off x="73534" y="6166488"/>
-            <a:ext cx="2301508" cy="307777"/>
-          </a:xfrm>
-          <a:prstGeom prst="rect">
-            <a:avLst/>
-          </a:prstGeom>
-        </p:spPr>
-        <p:txBody>
-          <a:bodyPr wrap="square">
-            <a:spAutoFit/>
-          </a:bodyPr>
-          <a:lstStyle/>
-          <a:p>
-            <a:r>
-              <a:rPr lang="en-US" altLang="ko-KR" sz="1400">
-                <a:latin typeface="Seravek Light" charset="0"/>
-                <a:ea typeface="Seravek Light" charset="0"/>
-                <a:cs typeface="Seravek Light" charset="0"/>
-              </a:rPr>
-              <a:t>Slide from Tor Wager</a:t>
-            </a:r>
-            <a:endParaRPr lang="ko-KR" altLang="en-US" sz="1400" dirty="0">
-              <a:latin typeface="Seravek Light" charset="0"/>
-              <a:ea typeface="Seravek Light" charset="0"/>
-              <a:cs typeface="Seravek Light" charset="0"/>
-            </a:endParaRPr>
-          </a:p>
-        </p:txBody>
-      </p:sp>
-    </p:spTree>
-    <p:extLst>
-      <p:ext uri="{BB962C8B-B14F-4D97-AF65-F5344CB8AC3E}">
-        <p14:creationId xmlns:p14="http://schemas.microsoft.com/office/powerpoint/2010/main" val="630111995"/>
-      </p:ext>
-    </p:extLst>
-  </p:cSld>
-  <p:clrMapOvr>
-    <a:masterClrMapping/>
-  </p:clrMapOvr>
-  <p:timing>
-    <p:tnLst>
-      <p:par>
-        <p:cTn id="1" dur="indefinite" restart="never" nodeType="tmRoot">
-          <p:childTnLst>
-            <p:seq concurrent="1" nextAc="seek">
-              <p:cTn id="2" dur="indefinite" nodeType="mainSeq">
-                <p:childTnLst>
-                  <p:par>
-                    <p:cTn id="3" fill="hold">
-                      <p:stCondLst>
-                        <p:cond delay="indefinite"/>
-                      </p:stCondLst>
-                      <p:childTnLst>
-                        <p:par>
-                          <p:cTn id="4" fill="hold">
-                            <p:stCondLst>
-                              <p:cond delay="0"/>
-                            </p:stCondLst>
-                            <p:childTnLst>
-                              <p:par>
-                                <p:cTn id="5" presetID="1" presetClass="entr" presetSubtype="0" fill="hold" grpId="0" nodeType="clickEffect">
-                                  <p:stCondLst>
-                                    <p:cond delay="0"/>
-                                  </p:stCondLst>
-                                  <p:childTnLst>
-                                    <p:set>
-                                      <p:cBhvr>
-                                        <p:cTn id="6" dur="1" fill="hold">
-                                          <p:stCondLst>
-                                            <p:cond delay="0"/>
-                                          </p:stCondLst>
-                                        </p:cTn>
-                                        <p:tgtEl>
-                                          <p:spTgt spid="12"/>
-                                        </p:tgtEl>
-                                        <p:attrNameLst>
-                                          <p:attrName>style.visibility</p:attrName>
-                                        </p:attrNameLst>
-                                      </p:cBhvr>
-                                      <p:to>
-                                        <p:strVal val="visible"/>
-                                      </p:to>
-                                    </p:set>
-                                  </p:childTnLst>
-                                </p:cTn>
-                              </p:par>
-                              <p:par>
-                                <p:cTn id="7" presetID="1" presetClass="entr" presetSubtype="0" fill="hold" grpId="0" nodeType="withEffect">
-                                  <p:stCondLst>
-                                    <p:cond delay="0"/>
-                                  </p:stCondLst>
-                                  <p:childTnLst>
-                                    <p:set>
-                                      <p:cBhvr>
-                                        <p:cTn id="8" dur="1" fill="hold">
-                                          <p:stCondLst>
-                                            <p:cond delay="0"/>
-                                          </p:stCondLst>
-                                        </p:cTn>
-                                        <p:tgtEl>
-                                          <p:spTgt spid="17"/>
-                                        </p:tgtEl>
-                                        <p:attrNameLst>
-                                          <p:attrName>style.visibility</p:attrName>
-                                        </p:attrNameLst>
-                                      </p:cBhvr>
-                                      <p:to>
-                                        <p:strVal val="visible"/>
-                                      </p:to>
-                                    </p:set>
-                                  </p:childTnLst>
-                                </p:cTn>
-                              </p:par>
-                            </p:childTnLst>
-                          </p:cTn>
-                        </p:par>
-                      </p:childTnLst>
-                    </p:cTn>
-                  </p:par>
-                  <p:par>
-                    <p:cTn id="9" fill="hold">
-                      <p:stCondLst>
-                        <p:cond delay="indefinite"/>
-                      </p:stCondLst>
-                      <p:childTnLst>
-                        <p:par>
-                          <p:cTn id="10" fill="hold">
-                            <p:stCondLst>
-                              <p:cond delay="0"/>
-                            </p:stCondLst>
-                            <p:childTnLst>
-                              <p:par>
-                                <p:cTn id="11" presetID="1" presetClass="entr" presetSubtype="0" fill="hold" grpId="0" nodeType="clickEffect">
-                                  <p:stCondLst>
-                                    <p:cond delay="0"/>
-                                  </p:stCondLst>
-                                  <p:childTnLst>
-                                    <p:set>
-                                      <p:cBhvr>
-                                        <p:cTn id="12" dur="1" fill="hold">
-                                          <p:stCondLst>
-                                            <p:cond delay="0"/>
-                                          </p:stCondLst>
-                                        </p:cTn>
-                                        <p:tgtEl>
-                                          <p:spTgt spid="14"/>
-                                        </p:tgtEl>
-                                        <p:attrNameLst>
-                                          <p:attrName>style.visibility</p:attrName>
-                                        </p:attrNameLst>
-                                      </p:cBhvr>
-                                      <p:to>
-                                        <p:strVal val="visible"/>
-                                      </p:to>
-                                    </p:set>
-                                  </p:childTnLst>
-                                </p:cTn>
-                              </p:par>
-                              <p:par>
-                                <p:cTn id="13" presetID="1" presetClass="entr" presetSubtype="0" fill="hold" grpId="0" nodeType="withEffect">
-                                  <p:stCondLst>
-                                    <p:cond delay="0"/>
-                                  </p:stCondLst>
-                                  <p:childTnLst>
-                                    <p:set>
-                                      <p:cBhvr>
-                                        <p:cTn id="14" dur="1" fill="hold">
-                                          <p:stCondLst>
-                                            <p:cond delay="0"/>
-                                          </p:stCondLst>
-                                        </p:cTn>
-                                        <p:tgtEl>
-                                          <p:spTgt spid="18"/>
-                                        </p:tgtEl>
-                                        <p:attrNameLst>
-                                          <p:attrName>style.visibility</p:attrName>
-                                        </p:attrNameLst>
-                                      </p:cBhvr>
-                                      <p:to>
-                                        <p:strVal val="visible"/>
-                                      </p:to>
-                                    </p:set>
-                                  </p:childTnLst>
-                                </p:cTn>
-                              </p:par>
-                              <p:par>
-                                <p:cTn id="15" presetID="1" presetClass="entr" presetSubtype="0" fill="hold" grpId="0" nodeType="withEffect">
-                                  <p:stCondLst>
-                                    <p:cond delay="0"/>
-                                  </p:stCondLst>
-                                  <p:childTnLst>
-                                    <p:set>
-                                      <p:cBhvr>
-                                        <p:cTn id="16" dur="1" fill="hold">
-                                          <p:stCondLst>
-                                            <p:cond delay="0"/>
-                                          </p:stCondLst>
-                                        </p:cTn>
-                                        <p:tgtEl>
-                                          <p:spTgt spid="19"/>
-                                        </p:tgtEl>
-                                        <p:attrNameLst>
-                                          <p:attrName>style.visibility</p:attrName>
-                                        </p:attrNameLst>
-                                      </p:cBhvr>
-                                      <p:to>
-                                        <p:strVal val="visible"/>
-                                      </p:to>
-                                    </p:set>
-                                  </p:childTnLst>
-                                </p:cTn>
-                              </p:par>
-                              <p:par>
-                                <p:cTn id="17" presetID="1" presetClass="entr" presetSubtype="0" fill="hold" grpId="0" nodeType="withEffect">
-                                  <p:stCondLst>
-                                    <p:cond delay="0"/>
-                                  </p:stCondLst>
-                                  <p:childTnLst>
-                                    <p:set>
-                                      <p:cBhvr>
-                                        <p:cTn id="18" dur="1" fill="hold">
-                                          <p:stCondLst>
-                                            <p:cond delay="0"/>
-                                          </p:stCondLst>
-                                        </p:cTn>
-                                        <p:tgtEl>
-                                          <p:spTgt spid="28"/>
-                                        </p:tgtEl>
-                                        <p:attrNameLst>
-                                          <p:attrName>style.visibility</p:attrName>
-                                        </p:attrNameLst>
-                                      </p:cBhvr>
-                                      <p:to>
-                                        <p:strVal val="visible"/>
-                                      </p:to>
-                                    </p:set>
-                                  </p:childTnLst>
-                                </p:cTn>
-                              </p:par>
-                            </p:childTnLst>
-                          </p:cTn>
-                        </p:par>
-                      </p:childTnLst>
-                    </p:cTn>
-                  </p:par>
-                  <p:par>
-                    <p:cTn id="19" fill="hold">
-                      <p:stCondLst>
-                        <p:cond delay="indefinite"/>
-                      </p:stCondLst>
-                      <p:childTnLst>
-                        <p:par>
-                          <p:cTn id="20" fill="hold">
-                            <p:stCondLst>
-                              <p:cond delay="0"/>
-                            </p:stCondLst>
-                            <p:childTnLst>
-                              <p:par>
-                                <p:cTn id="21" presetID="1" presetClass="entr" presetSubtype="0" fill="hold" grpId="0" nodeType="clickEffect">
-                                  <p:stCondLst>
-                                    <p:cond delay="0"/>
-                                  </p:stCondLst>
-                                  <p:childTnLst>
-                                    <p:set>
-                                      <p:cBhvr>
-                                        <p:cTn id="22" dur="1" fill="hold">
-                                          <p:stCondLst>
-                                            <p:cond delay="0"/>
-                                          </p:stCondLst>
-                                        </p:cTn>
-                                        <p:tgtEl>
-                                          <p:spTgt spid="16"/>
-                                        </p:tgtEl>
-                                        <p:attrNameLst>
-                                          <p:attrName>style.visibility</p:attrName>
-                                        </p:attrNameLst>
-                                      </p:cBhvr>
-                                      <p:to>
-                                        <p:strVal val="visible"/>
-                                      </p:to>
-                                    </p:set>
-                                  </p:childTnLst>
-                                </p:cTn>
-                              </p:par>
-                              <p:par>
-                                <p:cTn id="23" presetID="1" presetClass="entr" presetSubtype="0" fill="hold" grpId="0" nodeType="withEffect">
-                                  <p:stCondLst>
-                                    <p:cond delay="0"/>
-                                  </p:stCondLst>
-                                  <p:childTnLst>
-                                    <p:set>
-                                      <p:cBhvr>
-                                        <p:cTn id="24" dur="1" fill="hold">
-                                          <p:stCondLst>
-                                            <p:cond delay="0"/>
-                                          </p:stCondLst>
-                                        </p:cTn>
-                                        <p:tgtEl>
-                                          <p:spTgt spid="22"/>
-                                        </p:tgtEl>
-                                        <p:attrNameLst>
-                                          <p:attrName>style.visibility</p:attrName>
-                                        </p:attrNameLst>
-                                      </p:cBhvr>
-                                      <p:to>
-                                        <p:strVal val="visible"/>
-                                      </p:to>
-                                    </p:set>
-                                  </p:childTnLst>
-                                </p:cTn>
-                              </p:par>
-                              <p:par>
-                                <p:cTn id="25" presetID="1" presetClass="entr" presetSubtype="0" fill="hold" grpId="0" nodeType="withEffect">
-                                  <p:stCondLst>
-                                    <p:cond delay="0"/>
-                                  </p:stCondLst>
-                                  <p:childTnLst>
-                                    <p:set>
-                                      <p:cBhvr>
-                                        <p:cTn id="26" dur="1" fill="hold">
-                                          <p:stCondLst>
-                                            <p:cond delay="0"/>
-                                          </p:stCondLst>
-                                        </p:cTn>
-                                        <p:tgtEl>
-                                          <p:spTgt spid="29"/>
-                                        </p:tgtEl>
-                                        <p:attrNameLst>
-                                          <p:attrName>style.visibility</p:attrName>
-                                        </p:attrNameLst>
-                                      </p:cBhvr>
-                                      <p:to>
-                                        <p:strVal val="visible"/>
-                                      </p:to>
-                                    </p:set>
-                                  </p:childTnLst>
-                                </p:cTn>
-                              </p:par>
-                              <p:par>
-                                <p:cTn id="27" presetID="1" presetClass="entr" presetSubtype="0" fill="hold" grpId="0" nodeType="withEffect">
-                                  <p:stCondLst>
-                                    <p:cond delay="0"/>
-                                  </p:stCondLst>
-                                  <p:childTnLst>
-                                    <p:set>
-                                      <p:cBhvr>
-                                        <p:cTn id="28" dur="1" fill="hold">
-                                          <p:stCondLst>
-                                            <p:cond delay="0"/>
-                                          </p:stCondLst>
-                                        </p:cTn>
-                                        <p:tgtEl>
-                                          <p:spTgt spid="30"/>
-                                        </p:tgtEl>
-                                        <p:attrNameLst>
-                                          <p:attrName>style.visibility</p:attrName>
-                                        </p:attrNameLst>
-                                      </p:cBhvr>
-                                      <p:to>
-                                        <p:strVal val="visible"/>
-                                      </p:to>
-                                    </p:set>
-                                  </p:childTnLst>
-                                </p:cTn>
-                              </p:par>
-                            </p:childTnLst>
-                          </p:cTn>
-                        </p:par>
-                      </p:childTnLst>
-                    </p:cTn>
-                  </p:par>
-                  <p:par>
-                    <p:cTn id="29" fill="hold">
-                      <p:stCondLst>
-                        <p:cond delay="indefinite"/>
-                      </p:stCondLst>
-                      <p:childTnLst>
-                        <p:par>
-                          <p:cTn id="30" fill="hold">
-                            <p:stCondLst>
-                              <p:cond delay="0"/>
-                            </p:stCondLst>
-                            <p:childTnLst>
-                              <p:par>
-                                <p:cTn id="31" presetID="1" presetClass="entr" presetSubtype="0" fill="hold" grpId="0" nodeType="clickEffect">
-                                  <p:stCondLst>
-                                    <p:cond delay="0"/>
-                                  </p:stCondLst>
-                                  <p:childTnLst>
-                                    <p:set>
-                                      <p:cBhvr>
-                                        <p:cTn id="32" dur="1" fill="hold">
-                                          <p:stCondLst>
-                                            <p:cond delay="0"/>
-                                          </p:stCondLst>
-                                        </p:cTn>
-                                        <p:tgtEl>
-                                          <p:spTgt spid="23"/>
-                                        </p:tgtEl>
-                                        <p:attrNameLst>
-                                          <p:attrName>style.visibility</p:attrName>
-                                        </p:attrNameLst>
-                                      </p:cBhvr>
-                                      <p:to>
-                                        <p:strVal val="visible"/>
-                                      </p:to>
-                                    </p:set>
-                                  </p:childTnLst>
-                                </p:cTn>
-                              </p:par>
-                              <p:par>
-                                <p:cTn id="33" presetID="1" presetClass="entr" presetSubtype="0" fill="hold" grpId="0" nodeType="withEffect">
-                                  <p:stCondLst>
-                                    <p:cond delay="0"/>
-                                  </p:stCondLst>
-                                  <p:childTnLst>
-                                    <p:set>
-                                      <p:cBhvr>
-                                        <p:cTn id="34" dur="1" fill="hold">
-                                          <p:stCondLst>
-                                            <p:cond delay="0"/>
-                                          </p:stCondLst>
-                                        </p:cTn>
-                                        <p:tgtEl>
-                                          <p:spTgt spid="24"/>
-                                        </p:tgtEl>
-                                        <p:attrNameLst>
-                                          <p:attrName>style.visibility</p:attrName>
-                                        </p:attrNameLst>
-                                      </p:cBhvr>
-                                      <p:to>
-                                        <p:strVal val="visible"/>
-                                      </p:to>
-                                    </p:set>
-                                  </p:childTnLst>
-                                </p:cTn>
-                              </p:par>
-                              <p:par>
-                                <p:cTn id="35" presetID="1" presetClass="entr" presetSubtype="0" fill="hold" grpId="0" nodeType="withEffect">
-                                  <p:stCondLst>
-                                    <p:cond delay="0"/>
-                                  </p:stCondLst>
-                                  <p:childTnLst>
-                                    <p:set>
-                                      <p:cBhvr>
-                                        <p:cTn id="36" dur="1" fill="hold">
-                                          <p:stCondLst>
-                                            <p:cond delay="0"/>
-                                          </p:stCondLst>
-                                        </p:cTn>
-                                        <p:tgtEl>
-                                          <p:spTgt spid="31"/>
-                                        </p:tgtEl>
-                                        <p:attrNameLst>
-                                          <p:attrName>style.visibility</p:attrName>
-                                        </p:attrNameLst>
-                                      </p:cBhvr>
-                                      <p:to>
-                                        <p:strVal val="visible"/>
-                                      </p:to>
-                                    </p:set>
-                                  </p:childTnLst>
-                                </p:cTn>
-                              </p:par>
-                              <p:par>
-                                <p:cTn id="37" presetID="1" presetClass="entr" presetSubtype="0" fill="hold" grpId="0" nodeType="withEffect">
-                                  <p:stCondLst>
-                                    <p:cond delay="0"/>
-                                  </p:stCondLst>
-                                  <p:childTnLst>
-                                    <p:set>
-                                      <p:cBhvr>
-                                        <p:cTn id="38" dur="1" fill="hold">
-                                          <p:stCondLst>
-                                            <p:cond delay="0"/>
-                                          </p:stCondLst>
-                                        </p:cTn>
-                                        <p:tgtEl>
-                                          <p:spTgt spid="32"/>
-                                        </p:tgtEl>
-                                        <p:attrNameLst>
-                                          <p:attrName>style.visibility</p:attrName>
-                                        </p:attrNameLst>
-                                      </p:cBhvr>
-                                      <p:to>
-                                        <p:strVal val="visible"/>
-                                      </p:to>
-                                    </p:set>
-                                  </p:childTnLst>
-                                </p:cTn>
-                              </p:par>
-                            </p:childTnLst>
-                          </p:cTn>
-                        </p:par>
-                      </p:childTnLst>
-                    </p:cTn>
-                  </p:par>
-                  <p:par>
-                    <p:cTn id="39" fill="hold">
-                      <p:stCondLst>
-                        <p:cond delay="indefinite"/>
-                      </p:stCondLst>
-                      <p:childTnLst>
-                        <p:par>
-                          <p:cTn id="40" fill="hold">
-                            <p:stCondLst>
-                              <p:cond delay="0"/>
-                            </p:stCondLst>
-                            <p:childTnLst>
-                              <p:par>
-                                <p:cTn id="41" presetID="1" presetClass="entr" presetSubtype="0" fill="hold" grpId="0" nodeType="clickEffect">
-                                  <p:stCondLst>
-                                    <p:cond delay="0"/>
-                                  </p:stCondLst>
-                                  <p:childTnLst>
-                                    <p:set>
-                                      <p:cBhvr>
-                                        <p:cTn id="42" dur="1" fill="hold">
-                                          <p:stCondLst>
-                                            <p:cond delay="0"/>
-                                          </p:stCondLst>
-                                        </p:cTn>
-                                        <p:tgtEl>
-                                          <p:spTgt spid="39"/>
-                                        </p:tgtEl>
-                                        <p:attrNameLst>
-                                          <p:attrName>style.visibility</p:attrName>
-                                        </p:attrNameLst>
-                                      </p:cBhvr>
-                                      <p:to>
-                                        <p:strVal val="visible"/>
-                                      </p:to>
-                                    </p:set>
-                                  </p:childTnLst>
-                                </p:cTn>
-                              </p:par>
-                              <p:par>
-                                <p:cTn id="43" presetID="1" presetClass="entr" presetSubtype="0" fill="hold" grpId="0" nodeType="withEffect">
-                                  <p:stCondLst>
-                                    <p:cond delay="0"/>
-                                  </p:stCondLst>
-                                  <p:childTnLst>
-                                    <p:set>
-                                      <p:cBhvr>
-                                        <p:cTn id="44" dur="1" fill="hold">
-                                          <p:stCondLst>
-                                            <p:cond delay="0"/>
-                                          </p:stCondLst>
-                                        </p:cTn>
-                                        <p:tgtEl>
-                                          <p:spTgt spid="40"/>
-                                        </p:tgtEl>
-                                        <p:attrNameLst>
-                                          <p:attrName>style.visibility</p:attrName>
-                                        </p:attrNameLst>
-                                      </p:cBhvr>
-                                      <p:to>
-                                        <p:strVal val="visible"/>
-                                      </p:to>
-                                    </p:set>
-                                  </p:childTnLst>
-                                </p:cTn>
-                              </p:par>
-                            </p:childTnLst>
-                          </p:cTn>
-                        </p:par>
-                      </p:childTnLst>
-                    </p:cTn>
-                  </p:par>
-                  <p:par>
-                    <p:cTn id="45" fill="hold">
-                      <p:stCondLst>
-                        <p:cond delay="indefinite"/>
-                      </p:stCondLst>
-                      <p:childTnLst>
-                        <p:par>
-                          <p:cTn id="46" fill="hold">
-                            <p:stCondLst>
-                              <p:cond delay="0"/>
-                            </p:stCondLst>
-                            <p:childTnLst>
-                              <p:par>
-                                <p:cTn id="47" presetID="1" presetClass="entr" presetSubtype="0" fill="hold" grpId="0" nodeType="clickEffect">
-                                  <p:stCondLst>
-                                    <p:cond delay="0"/>
-                                  </p:stCondLst>
-                                  <p:childTnLst>
-                                    <p:set>
-                                      <p:cBhvr>
-                                        <p:cTn id="48" dur="1" fill="hold">
-                                          <p:stCondLst>
-                                            <p:cond delay="0"/>
-                                          </p:stCondLst>
-                                        </p:cTn>
-                                        <p:tgtEl>
-                                          <p:spTgt spid="20"/>
-                                        </p:tgtEl>
-                                        <p:attrNameLst>
-                                          <p:attrName>style.visibility</p:attrName>
-                                        </p:attrNameLst>
-                                      </p:cBhvr>
-                                      <p:to>
-                                        <p:strVal val="visible"/>
-                                      </p:to>
-                                    </p:set>
-                                  </p:childTnLst>
-                                </p:cTn>
-                              </p:par>
-                              <p:par>
-                                <p:cTn id="49" presetID="1" presetClass="entr" presetSubtype="0" fill="hold" grpId="0" nodeType="withEffect">
-                                  <p:stCondLst>
-                                    <p:cond delay="0"/>
-                                  </p:stCondLst>
-                                  <p:childTnLst>
-                                    <p:set>
-                                      <p:cBhvr>
-                                        <p:cTn id="50" dur="1" fill="hold">
-                                          <p:stCondLst>
-                                            <p:cond delay="0"/>
-                                          </p:stCondLst>
-                                        </p:cTn>
-                                        <p:tgtEl>
-                                          <p:spTgt spid="35"/>
-                                        </p:tgtEl>
-                                        <p:attrNameLst>
-                                          <p:attrName>style.visibility</p:attrName>
-                                        </p:attrNameLst>
-                                      </p:cBhvr>
-                                      <p:to>
-                                        <p:strVal val="visible"/>
-                                      </p:to>
-                                    </p:set>
-                                  </p:childTnLst>
-                                </p:cTn>
-                              </p:par>
-                            </p:childTnLst>
-                          </p:cTn>
-                        </p:par>
-                      </p:childTnLst>
-                    </p:cTn>
-                  </p:par>
-                  <p:par>
-                    <p:cTn id="51" fill="hold">
-                      <p:stCondLst>
-                        <p:cond delay="indefinite"/>
-                      </p:stCondLst>
-                      <p:childTnLst>
-                        <p:par>
-                          <p:cTn id="52" fill="hold">
-                            <p:stCondLst>
-                              <p:cond delay="0"/>
-                            </p:stCondLst>
-                            <p:childTnLst>
-                              <p:par>
-                                <p:cTn id="53" presetID="1" presetClass="entr" presetSubtype="0" fill="hold" grpId="0" nodeType="clickEffect">
-                                  <p:stCondLst>
-                                    <p:cond delay="0"/>
-                                  </p:stCondLst>
-                                  <p:childTnLst>
-                                    <p:set>
-                                      <p:cBhvr>
-                                        <p:cTn id="54" dur="1" fill="hold">
-                                          <p:stCondLst>
-                                            <p:cond delay="0"/>
-                                          </p:stCondLst>
-                                        </p:cTn>
-                                        <p:tgtEl>
-                                          <p:spTgt spid="26"/>
-                                        </p:tgtEl>
-                                        <p:attrNameLst>
-                                          <p:attrName>style.visibility</p:attrName>
-                                        </p:attrNameLst>
-                                      </p:cBhvr>
-                                      <p:to>
-                                        <p:strVal val="visible"/>
-                                      </p:to>
-                                    </p:set>
-                                  </p:childTnLst>
-                                </p:cTn>
-                              </p:par>
-                              <p:par>
-                                <p:cTn id="55" presetID="1" presetClass="entr" presetSubtype="0" fill="hold" grpId="0" nodeType="withEffect">
-                                  <p:stCondLst>
-                                    <p:cond delay="0"/>
-                                  </p:stCondLst>
-                                  <p:childTnLst>
-                                    <p:set>
-                                      <p:cBhvr>
-                                        <p:cTn id="56" dur="1" fill="hold">
-                                          <p:stCondLst>
-                                            <p:cond delay="0"/>
-                                          </p:stCondLst>
-                                        </p:cTn>
-                                        <p:tgtEl>
-                                          <p:spTgt spid="33"/>
-                                        </p:tgtEl>
-                                        <p:attrNameLst>
-                                          <p:attrName>style.visibility</p:attrName>
-                                        </p:attrNameLst>
-                                      </p:cBhvr>
-                                      <p:to>
-                                        <p:strVal val="visible"/>
-                                      </p:to>
-                                    </p:set>
-                                  </p:childTnLst>
-                                </p:cTn>
-                              </p:par>
-                            </p:childTnLst>
-                          </p:cTn>
-                        </p:par>
-                      </p:childTnLst>
-                    </p:cTn>
-                  </p:par>
-                  <p:par>
-                    <p:cTn id="57" fill="hold">
-                      <p:stCondLst>
-                        <p:cond delay="indefinite"/>
-                      </p:stCondLst>
-                      <p:childTnLst>
-                        <p:par>
-                          <p:cTn id="58" fill="hold">
-                            <p:stCondLst>
-                              <p:cond delay="0"/>
-                            </p:stCondLst>
-                            <p:childTnLst>
-                              <p:par>
-                                <p:cTn id="59" presetID="1" presetClass="entr" presetSubtype="0" fill="hold" grpId="0" nodeType="clickEffect">
-                                  <p:stCondLst>
-                                    <p:cond delay="0"/>
-                                  </p:stCondLst>
-                                  <p:childTnLst>
-                                    <p:set>
-                                      <p:cBhvr>
-                                        <p:cTn id="60" dur="1" fill="hold">
-                                          <p:stCondLst>
-                                            <p:cond delay="0"/>
-                                          </p:stCondLst>
-                                        </p:cTn>
-                                        <p:tgtEl>
-                                          <p:spTgt spid="21"/>
-                                        </p:tgtEl>
-                                        <p:attrNameLst>
-                                          <p:attrName>style.visibility</p:attrName>
-                                        </p:attrNameLst>
-                                      </p:cBhvr>
-                                      <p:to>
-                                        <p:strVal val="visible"/>
-                                      </p:to>
-                                    </p:set>
-                                  </p:childTnLst>
-                                </p:cTn>
-                              </p:par>
-                              <p:par>
-                                <p:cTn id="61" presetID="1" presetClass="entr" presetSubtype="0" fill="hold" grpId="0" nodeType="withEffect">
-                                  <p:stCondLst>
-                                    <p:cond delay="0"/>
-                                  </p:stCondLst>
-                                  <p:childTnLst>
-                                    <p:set>
-                                      <p:cBhvr>
-                                        <p:cTn id="62" dur="1" fill="hold">
-                                          <p:stCondLst>
-                                            <p:cond delay="0"/>
-                                          </p:stCondLst>
-                                        </p:cTn>
-                                        <p:tgtEl>
-                                          <p:spTgt spid="36"/>
-                                        </p:tgtEl>
-                                        <p:attrNameLst>
-                                          <p:attrName>style.visibility</p:attrName>
-                                        </p:attrNameLst>
-                                      </p:cBhvr>
-                                      <p:to>
-                                        <p:strVal val="visible"/>
-                                      </p:to>
-                                    </p:set>
-                                  </p:childTnLst>
-                                </p:cTn>
-                              </p:par>
-                            </p:childTnLst>
-                          </p:cTn>
-                        </p:par>
-                      </p:childTnLst>
-                    </p:cTn>
-                  </p:par>
-                  <p:par>
-                    <p:cTn id="63" fill="hold">
-                      <p:stCondLst>
-                        <p:cond delay="indefinite"/>
-                      </p:stCondLst>
-                      <p:childTnLst>
-                        <p:par>
-                          <p:cTn id="64" fill="hold">
-                            <p:stCondLst>
-                              <p:cond delay="0"/>
-                            </p:stCondLst>
-                            <p:childTnLst>
-                              <p:par>
-                                <p:cTn id="65" presetID="1" presetClass="entr" presetSubtype="0" fill="hold" grpId="0" nodeType="clickEffect">
-                                  <p:stCondLst>
-                                    <p:cond delay="0"/>
-                                  </p:stCondLst>
-                                  <p:childTnLst>
-                                    <p:set>
-                                      <p:cBhvr>
-                                        <p:cTn id="66" dur="1" fill="hold">
-                                          <p:stCondLst>
-                                            <p:cond delay="0"/>
-                                          </p:stCondLst>
-                                        </p:cTn>
-                                        <p:tgtEl>
-                                          <p:spTgt spid="27"/>
-                                        </p:tgtEl>
-                                        <p:attrNameLst>
-                                          <p:attrName>style.visibility</p:attrName>
-                                        </p:attrNameLst>
-                                      </p:cBhvr>
-                                      <p:to>
-                                        <p:strVal val="visible"/>
-                                      </p:to>
-                                    </p:set>
-                                  </p:childTnLst>
-                                </p:cTn>
-                              </p:par>
-                              <p:par>
-                                <p:cTn id="67" presetID="1" presetClass="entr" presetSubtype="0" fill="hold" grpId="0" nodeType="withEffect">
-                                  <p:stCondLst>
-                                    <p:cond delay="0"/>
-                                  </p:stCondLst>
-                                  <p:childTnLst>
-                                    <p:set>
-                                      <p:cBhvr>
-                                        <p:cTn id="68" dur="1" fill="hold">
-                                          <p:stCondLst>
-                                            <p:cond delay="0"/>
-                                          </p:stCondLst>
-                                        </p:cTn>
-                                        <p:tgtEl>
-                                          <p:spTgt spid="34"/>
-                                        </p:tgtEl>
-                                        <p:attrNameLst>
-                                          <p:attrName>style.visibility</p:attrName>
-                                        </p:attrNameLst>
-                                      </p:cBhvr>
-                                      <p:to>
-                                        <p:strVal val="visible"/>
-                                      </p:to>
-                                    </p:set>
-                                  </p:childTnLst>
-                                </p:cTn>
-                              </p:par>
-                            </p:childTnLst>
-                          </p:cTn>
-                        </p:par>
-                      </p:childTnLst>
-                    </p:cTn>
-                  </p:par>
-                </p:childTnLst>
-              </p:cTn>
-              <p:prevCondLst>
-                <p:cond evt="onPrev" delay="0">
-                  <p:tgtEl>
-                    <p:sldTgt/>
-                  </p:tgtEl>
-                </p:cond>
-              </p:prevCondLst>
-              <p:nextCondLst>
-                <p:cond evt="onNext" delay="0">
-                  <p:tgtEl>
-                    <p:sldTgt/>
-                  </p:tgtEl>
-                </p:cond>
-              </p:nextCondLst>
-            </p:seq>
-          </p:childTnLst>
-        </p:cTn>
-      </p:par>
-    </p:tnLst>
-    <p:bldLst>
-      <p:bldP spid="12" grpId="0" animBg="1"/>
-      <p:bldP spid="14" grpId="0" animBg="1"/>
-      <p:bldP spid="16" grpId="0" animBg="1"/>
-      <p:bldP spid="17" grpId="0" animBg="1"/>
-      <p:bldP spid="18" grpId="0" animBg="1"/>
-      <p:bldP spid="19" grpId="0" animBg="1"/>
-      <p:bldP spid="20" grpId="0" animBg="1"/>
-      <p:bldP spid="21" grpId="0" animBg="1"/>
-      <p:bldP spid="22" grpId="0" animBg="1"/>
-      <p:bldP spid="23" grpId="0" animBg="1"/>
-      <p:bldP spid="24" grpId="0" animBg="1"/>
-      <p:bldP spid="26" grpId="0" animBg="1"/>
-      <p:bldP spid="27" grpId="0" animBg="1"/>
-      <p:bldP spid="28" grpId="0" animBg="1"/>
-      <p:bldP spid="29" grpId="0" animBg="1"/>
-      <p:bldP spid="30" grpId="0" animBg="1"/>
-      <p:bldP spid="31" grpId="0" animBg="1"/>
-      <p:bldP spid="32" grpId="0" animBg="1"/>
-      <p:bldP spid="33" grpId="0" animBg="1"/>
-      <p:bldP spid="34" grpId="0" animBg="1"/>
-      <p:bldP spid="35" grpId="0" animBg="1"/>
-      <p:bldP spid="36" grpId="0" animBg="1"/>
-      <p:bldP spid="39" grpId="0" animBg="1"/>
-      <p:bldP spid="40" grpId="0" animBg="1"/>
-    </p:bldLst>
-  </p:timing>
-</p:sld>
-</file>
-
-<file path=ppt/slides/slide4.xml><?xml version="1.0" encoding="utf-8"?>
-<p:sld xmlns:a="http://schemas.openxmlformats.org/drawingml/2006/main" xmlns:r="http://schemas.openxmlformats.org/officeDocument/2006/relationships" xmlns:p="http://schemas.openxmlformats.org/presentationml/2006/main">
-  <p:cSld>
-    <p:spTree>
-      <p:nvGrpSpPr>
-        <p:cNvPr id="1" name=""/>
-        <p:cNvGrpSpPr/>
-        <p:nvPr/>
-      </p:nvGrpSpPr>
-      <p:grpSpPr>
-        <a:xfrm>
-          <a:off x="0" y="0"/>
-          <a:ext cx="0" cy="0"/>
-          <a:chOff x="0" y="0"/>
-          <a:chExt cx="0" cy="0"/>
-        </a:xfrm>
-      </p:grpSpPr>
-      <p:grpSp>
-        <p:nvGrpSpPr>
-          <p:cNvPr id="8" name="그룹 7"/>
-          <p:cNvGrpSpPr/>
-          <p:nvPr/>
-        </p:nvGrpSpPr>
-        <p:grpSpPr>
-          <a:xfrm>
-            <a:off x="10422294" y="6186196"/>
-            <a:ext cx="1661681" cy="671804"/>
-            <a:chOff x="18662" y="6209254"/>
-            <a:chExt cx="1661681" cy="671804"/>
-          </a:xfrm>
-        </p:grpSpPr>
-        <p:pic>
-          <p:nvPicPr>
-            <p:cNvPr id="5" name="그림 4"/>
-            <p:cNvPicPr>
-              <a:picLocks noChangeAspect="1"/>
-            </p:cNvPicPr>
-            <p:nvPr/>
-          </p:nvPicPr>
-          <p:blipFill>
-            <a:blip r:embed="rId2">
-              <a:extLst>
-                <a:ext uri="{28A0092B-C50C-407E-A947-70E740481C1C}">
-                  <a14:useLocalDpi xmlns:a14="http://schemas.microsoft.com/office/drawing/2010/main" val="0"/>
-                </a:ext>
-              </a:extLst>
-            </a:blip>
-            <a:stretch>
-              <a:fillRect/>
-            </a:stretch>
-          </p:blipFill>
-          <p:spPr>
-            <a:xfrm>
-              <a:off x="18662" y="6209254"/>
-              <a:ext cx="671804" cy="671804"/>
-            </a:xfrm>
-            <a:prstGeom prst="rect">
-              <a:avLst/>
-            </a:prstGeom>
-          </p:spPr>
-        </p:pic>
-        <p:pic>
-          <p:nvPicPr>
-            <p:cNvPr id="6" name="그림 5"/>
-            <p:cNvPicPr>
-              <a:picLocks noChangeAspect="1"/>
-            </p:cNvPicPr>
-            <p:nvPr/>
-          </p:nvPicPr>
-          <p:blipFill>
-            <a:blip r:embed="rId3"/>
-            <a:stretch>
-              <a:fillRect/>
-            </a:stretch>
-          </p:blipFill>
-          <p:spPr>
-            <a:xfrm>
-              <a:off x="625149" y="6262887"/>
-              <a:ext cx="597215" cy="517044"/>
-            </a:xfrm>
-            <a:prstGeom prst="rect">
-              <a:avLst/>
-            </a:prstGeom>
-          </p:spPr>
-        </p:pic>
-        <p:pic>
-          <p:nvPicPr>
-            <p:cNvPr id="7" name="그림 6"/>
-            <p:cNvPicPr>
-              <a:picLocks noChangeAspect="1"/>
-            </p:cNvPicPr>
-            <p:nvPr/>
-          </p:nvPicPr>
-          <p:blipFill>
-            <a:blip r:embed="rId4">
-              <a:extLst>
-                <a:ext uri="{28A0092B-C50C-407E-A947-70E740481C1C}">
-                  <a14:useLocalDpi xmlns:a14="http://schemas.microsoft.com/office/drawing/2010/main" val="0"/>
-                </a:ext>
-              </a:extLst>
-            </a:blip>
-            <a:stretch>
-              <a:fillRect/>
-            </a:stretch>
-          </p:blipFill>
-          <p:spPr>
-            <a:xfrm>
-              <a:off x="1241804" y="6322730"/>
-              <a:ext cx="438539" cy="438539"/>
-            </a:xfrm>
-            <a:prstGeom prst="rect">
-              <a:avLst/>
-            </a:prstGeom>
-          </p:spPr>
-        </p:pic>
-      </p:grpSp>
-      <p:sp>
-        <p:nvSpPr>
-          <p:cNvPr id="9" name="직사각형 8"/>
-          <p:cNvSpPr/>
-          <p:nvPr/>
-        </p:nvSpPr>
-        <p:spPr>
-          <a:xfrm>
-            <a:off x="0" y="0"/>
-            <a:ext cx="12192000" cy="102769"/>
-          </a:xfrm>
-          <a:prstGeom prst="rect">
-            <a:avLst/>
-          </a:prstGeom>
-          <a:solidFill>
-            <a:schemeClr val="accent6">
-              <a:lumMod val="60000"/>
-              <a:lumOff val="40000"/>
-            </a:schemeClr>
-          </a:solidFill>
-          <a:ln>
-            <a:noFill/>
-          </a:ln>
-        </p:spPr>
-        <p:style>
-          <a:lnRef idx="2">
-            <a:schemeClr val="accent1">
-              <a:shade val="50000"/>
-            </a:schemeClr>
-          </a:lnRef>
-          <a:fillRef idx="1">
-            <a:schemeClr val="accent1"/>
-          </a:fillRef>
-          <a:effectRef idx="0">
-            <a:schemeClr val="accent1"/>
-          </a:effectRef>
-          <a:fontRef idx="minor">
-            <a:schemeClr val="lt1"/>
-          </a:fontRef>
-        </p:style>
-        <p:txBody>
-          <a:bodyPr rtlCol="0" anchor="ctr"/>
-          <a:lstStyle/>
-          <a:p>
-            <a:pPr algn="ctr"/>
-            <a:endParaRPr kumimoji="1" lang="ko-KR" altLang="en-US" dirty="0">
-              <a:latin typeface="PT Sans Narrow" charset="-52"/>
-              <a:ea typeface="PT Sans Narrow" charset="-52"/>
-              <a:cs typeface="PT Sans Narrow" charset="-52"/>
-            </a:endParaRPr>
-          </a:p>
-        </p:txBody>
-      </p:sp>
-      <p:sp>
-        <p:nvSpPr>
-          <p:cNvPr id="10" name="직사각형 9"/>
-          <p:cNvSpPr/>
-          <p:nvPr/>
-        </p:nvSpPr>
-        <p:spPr>
-          <a:xfrm>
-            <a:off x="9894433" y="84109"/>
-            <a:ext cx="2301508" cy="276999"/>
-          </a:xfrm>
-          <a:prstGeom prst="rect">
-            <a:avLst/>
-          </a:prstGeom>
-        </p:spPr>
-        <p:txBody>
-          <a:bodyPr wrap="square">
-            <a:spAutoFit/>
-          </a:bodyPr>
-          <a:lstStyle/>
-          <a:p>
-            <a:pPr algn="r"/>
-            <a:r>
-              <a:rPr lang="en-US" altLang="ko-KR" sz="1200" dirty="0">
-                <a:latin typeface="Seravek Light" charset="0"/>
-                <a:ea typeface="Seravek Light" charset="0"/>
-                <a:cs typeface="Seravek Light" charset="0"/>
-              </a:rPr>
-              <a:t>Lecture 06</a:t>
-            </a:r>
-            <a:endParaRPr lang="ko-KR" altLang="en-US" sz="1200" dirty="0">
-              <a:latin typeface="Seravek Light" charset="0"/>
-              <a:ea typeface="Seravek Light" charset="0"/>
-              <a:cs typeface="Seravek Light" charset="0"/>
-            </a:endParaRPr>
-          </a:p>
-        </p:txBody>
-      </p:sp>
-      <p:sp>
-        <p:nvSpPr>
-          <p:cNvPr id="11" name="직사각형 10"/>
-          <p:cNvSpPr/>
-          <p:nvPr/>
-        </p:nvSpPr>
-        <p:spPr>
-          <a:xfrm>
-            <a:off x="69202" y="6518941"/>
-            <a:ext cx="4169731" cy="261610"/>
-          </a:xfrm>
-          <a:prstGeom prst="rect">
-            <a:avLst/>
-          </a:prstGeom>
-        </p:spPr>
-        <p:txBody>
-          <a:bodyPr wrap="none">
-            <a:spAutoFit/>
-          </a:bodyPr>
-          <a:lstStyle/>
-          <a:p>
-            <a:r>
-              <a:rPr lang="en-US" altLang="ko-KR" sz="1100" dirty="0">
-                <a:latin typeface="Seravek Light" charset="0"/>
-                <a:ea typeface="Seravek Light" charset="0"/>
-                <a:cs typeface="Seravek Light" charset="0"/>
-              </a:rPr>
-              <a:t>CHOONG-WAN WOO  |  COCOAN lab  |  </a:t>
-            </a:r>
-            <a:r>
-              <a:rPr lang="en-US" altLang="ko-KR" sz="1100" dirty="0">
-                <a:latin typeface="Seravek Light" charset="0"/>
-                <a:ea typeface="Seravek Light" charset="0"/>
-                <a:cs typeface="Seravek Light" charset="0"/>
-                <a:hlinkClick r:id="rId5"/>
-              </a:rPr>
-              <a:t>http://cocoanlab.github.io</a:t>
-            </a:r>
-            <a:endParaRPr lang="en-US" altLang="ko-KR" sz="1100" dirty="0">
-              <a:latin typeface="Seravek Light" charset="0"/>
-              <a:ea typeface="Seravek Light" charset="0"/>
-              <a:cs typeface="Seravek Light" charset="0"/>
-            </a:endParaRPr>
-          </a:p>
-        </p:txBody>
-      </p:sp>
-      <p:sp>
-        <p:nvSpPr>
-          <p:cNvPr id="2" name="직사각형 1"/>
-          <p:cNvSpPr/>
-          <p:nvPr/>
-        </p:nvSpPr>
-        <p:spPr>
-          <a:xfrm>
-            <a:off x="216491" y="222608"/>
             <a:ext cx="5051832" cy="523220"/>
           </a:xfrm>
           <a:prstGeom prst="rect">
@@ -20171,7 +16599,7 @@
 </p:sld>
 </file>
 
-<file path=ppt/slides/slide5.xml><?xml version="1.0" encoding="utf-8"?>
+<file path=ppt/slides/slide4.xml><?xml version="1.0" encoding="utf-8"?>
 <p:sld xmlns:a="http://schemas.openxmlformats.org/drawingml/2006/main" xmlns:r="http://schemas.openxmlformats.org/officeDocument/2006/relationships" xmlns:p="http://schemas.openxmlformats.org/presentationml/2006/main">
   <p:cSld>
     <p:spTree>
@@ -21384,7 +17812,7 @@
 </p:sld>
 </file>
 
-<file path=ppt/slides/slide6.xml><?xml version="1.0" encoding="utf-8"?>
+<file path=ppt/slides/slide5.xml><?xml version="1.0" encoding="utf-8"?>
 <p:sld xmlns:a="http://schemas.openxmlformats.org/drawingml/2006/main" xmlns:r="http://schemas.openxmlformats.org/officeDocument/2006/relationships" xmlns:p="http://schemas.openxmlformats.org/presentationml/2006/main">
   <p:cSld>
     <p:spTree>
@@ -23038,7 +19466,7 @@
 </p:sld>
 </file>
 
-<file path=ppt/slides/slide7.xml><?xml version="1.0" encoding="utf-8"?>
+<file path=ppt/slides/slide6.xml><?xml version="1.0" encoding="utf-8"?>
 <p:sld xmlns:a="http://schemas.openxmlformats.org/drawingml/2006/main" xmlns:r="http://schemas.openxmlformats.org/officeDocument/2006/relationships" xmlns:p="http://schemas.openxmlformats.org/presentationml/2006/main">
   <p:cSld>
     <p:spTree>
@@ -24063,7 +20491,7 @@
 </p:sld>
 </file>
 
-<file path=ppt/slides/slide8.xml><?xml version="1.0" encoding="utf-8"?>
+<file path=ppt/slides/slide7.xml><?xml version="1.0" encoding="utf-8"?>
 <p:sld xmlns:a="http://schemas.openxmlformats.org/drawingml/2006/main" xmlns:r="http://schemas.openxmlformats.org/officeDocument/2006/relationships" xmlns:p="http://schemas.openxmlformats.org/presentationml/2006/main">
   <p:cSld>
     <p:spTree>
@@ -28608,7 +25036,7 @@
 </p:sld>
 </file>
 
-<file path=ppt/slides/slide9.xml><?xml version="1.0" encoding="utf-8"?>
+<file path=ppt/slides/slide8.xml><?xml version="1.0" encoding="utf-8"?>
 <p:sld xmlns:a="http://schemas.openxmlformats.org/drawingml/2006/main" xmlns:r="http://schemas.openxmlformats.org/officeDocument/2006/relationships" xmlns:p="http://schemas.openxmlformats.org/presentationml/2006/main">
   <p:cSld>
     <p:spTree>
@@ -29999,6 +26427,688 @@
 </p:sld>
 </file>
 
+<file path=ppt/slides/slide9.xml><?xml version="1.0" encoding="utf-8"?>
+<p:sld xmlns:a="http://schemas.openxmlformats.org/drawingml/2006/main" xmlns:r="http://schemas.openxmlformats.org/officeDocument/2006/relationships" xmlns:p="http://schemas.openxmlformats.org/presentationml/2006/main">
+  <p:cSld>
+    <p:spTree>
+      <p:nvGrpSpPr>
+        <p:cNvPr id="1" name=""/>
+        <p:cNvGrpSpPr/>
+        <p:nvPr/>
+      </p:nvGrpSpPr>
+      <p:grpSpPr>
+        <a:xfrm>
+          <a:off x="0" y="0"/>
+          <a:ext cx="0" cy="0"/>
+          <a:chOff x="0" y="0"/>
+          <a:chExt cx="0" cy="0"/>
+        </a:xfrm>
+      </p:grpSpPr>
+      <p:grpSp>
+        <p:nvGrpSpPr>
+          <p:cNvPr id="8" name="그룹 7"/>
+          <p:cNvGrpSpPr/>
+          <p:nvPr/>
+        </p:nvGrpSpPr>
+        <p:grpSpPr>
+          <a:xfrm>
+            <a:off x="10422294" y="6186196"/>
+            <a:ext cx="1661681" cy="671804"/>
+            <a:chOff x="18662" y="6209254"/>
+            <a:chExt cx="1661681" cy="671804"/>
+          </a:xfrm>
+        </p:grpSpPr>
+        <p:pic>
+          <p:nvPicPr>
+            <p:cNvPr id="5" name="그림 4"/>
+            <p:cNvPicPr>
+              <a:picLocks noChangeAspect="1"/>
+            </p:cNvPicPr>
+            <p:nvPr/>
+          </p:nvPicPr>
+          <p:blipFill>
+            <a:blip r:embed="rId2">
+              <a:extLst>
+                <a:ext uri="{28A0092B-C50C-407E-A947-70E740481C1C}">
+                  <a14:useLocalDpi xmlns:a14="http://schemas.microsoft.com/office/drawing/2010/main" val="0"/>
+                </a:ext>
+              </a:extLst>
+            </a:blip>
+            <a:stretch>
+              <a:fillRect/>
+            </a:stretch>
+          </p:blipFill>
+          <p:spPr>
+            <a:xfrm>
+              <a:off x="18662" y="6209254"/>
+              <a:ext cx="671804" cy="671804"/>
+            </a:xfrm>
+            <a:prstGeom prst="rect">
+              <a:avLst/>
+            </a:prstGeom>
+          </p:spPr>
+        </p:pic>
+        <p:pic>
+          <p:nvPicPr>
+            <p:cNvPr id="6" name="그림 5"/>
+            <p:cNvPicPr>
+              <a:picLocks noChangeAspect="1"/>
+            </p:cNvPicPr>
+            <p:nvPr/>
+          </p:nvPicPr>
+          <p:blipFill>
+            <a:blip r:embed="rId3"/>
+            <a:stretch>
+              <a:fillRect/>
+            </a:stretch>
+          </p:blipFill>
+          <p:spPr>
+            <a:xfrm>
+              <a:off x="625149" y="6262887"/>
+              <a:ext cx="597215" cy="517044"/>
+            </a:xfrm>
+            <a:prstGeom prst="rect">
+              <a:avLst/>
+            </a:prstGeom>
+          </p:spPr>
+        </p:pic>
+        <p:pic>
+          <p:nvPicPr>
+            <p:cNvPr id="7" name="그림 6"/>
+            <p:cNvPicPr>
+              <a:picLocks noChangeAspect="1"/>
+            </p:cNvPicPr>
+            <p:nvPr/>
+          </p:nvPicPr>
+          <p:blipFill>
+            <a:blip r:embed="rId4">
+              <a:extLst>
+                <a:ext uri="{28A0092B-C50C-407E-A947-70E740481C1C}">
+                  <a14:useLocalDpi xmlns:a14="http://schemas.microsoft.com/office/drawing/2010/main" val="0"/>
+                </a:ext>
+              </a:extLst>
+            </a:blip>
+            <a:stretch>
+              <a:fillRect/>
+            </a:stretch>
+          </p:blipFill>
+          <p:spPr>
+            <a:xfrm>
+              <a:off x="1241804" y="6322730"/>
+              <a:ext cx="438539" cy="438539"/>
+            </a:xfrm>
+            <a:prstGeom prst="rect">
+              <a:avLst/>
+            </a:prstGeom>
+          </p:spPr>
+        </p:pic>
+      </p:grpSp>
+      <p:sp>
+        <p:nvSpPr>
+          <p:cNvPr id="9" name="직사각형 8"/>
+          <p:cNvSpPr/>
+          <p:nvPr/>
+        </p:nvSpPr>
+        <p:spPr>
+          <a:xfrm>
+            <a:off x="0" y="0"/>
+            <a:ext cx="12192000" cy="102769"/>
+          </a:xfrm>
+          <a:prstGeom prst="rect">
+            <a:avLst/>
+          </a:prstGeom>
+          <a:solidFill>
+            <a:schemeClr val="accent6">
+              <a:lumMod val="60000"/>
+              <a:lumOff val="40000"/>
+            </a:schemeClr>
+          </a:solidFill>
+          <a:ln>
+            <a:noFill/>
+          </a:ln>
+        </p:spPr>
+        <p:style>
+          <a:lnRef idx="2">
+            <a:schemeClr val="accent1">
+              <a:shade val="50000"/>
+            </a:schemeClr>
+          </a:lnRef>
+          <a:fillRef idx="1">
+            <a:schemeClr val="accent1"/>
+          </a:fillRef>
+          <a:effectRef idx="0">
+            <a:schemeClr val="accent1"/>
+          </a:effectRef>
+          <a:fontRef idx="minor">
+            <a:schemeClr val="lt1"/>
+          </a:fontRef>
+        </p:style>
+        <p:txBody>
+          <a:bodyPr rtlCol="0" anchor="ctr"/>
+          <a:lstStyle/>
+          <a:p>
+            <a:pPr algn="ctr"/>
+            <a:endParaRPr kumimoji="1" lang="ko-KR" altLang="en-US" dirty="0">
+              <a:latin typeface="PT Sans Narrow" charset="-52"/>
+              <a:ea typeface="PT Sans Narrow" charset="-52"/>
+              <a:cs typeface="PT Sans Narrow" charset="-52"/>
+            </a:endParaRPr>
+          </a:p>
+        </p:txBody>
+      </p:sp>
+      <p:sp>
+        <p:nvSpPr>
+          <p:cNvPr id="10" name="직사각형 9"/>
+          <p:cNvSpPr/>
+          <p:nvPr/>
+        </p:nvSpPr>
+        <p:spPr>
+          <a:xfrm>
+            <a:off x="9894433" y="84109"/>
+            <a:ext cx="2301508" cy="276999"/>
+          </a:xfrm>
+          <a:prstGeom prst="rect">
+            <a:avLst/>
+          </a:prstGeom>
+        </p:spPr>
+        <p:txBody>
+          <a:bodyPr wrap="square">
+            <a:spAutoFit/>
+          </a:bodyPr>
+          <a:lstStyle/>
+          <a:p>
+            <a:pPr algn="r"/>
+            <a:r>
+              <a:rPr lang="en-US" altLang="ko-KR" sz="1200" dirty="0">
+                <a:latin typeface="Seravek Light" charset="0"/>
+                <a:ea typeface="Seravek Light" charset="0"/>
+                <a:cs typeface="Seravek Light" charset="0"/>
+              </a:rPr>
+              <a:t>Lecture 06</a:t>
+            </a:r>
+            <a:endParaRPr lang="ko-KR" altLang="en-US" sz="1200" dirty="0">
+              <a:latin typeface="Seravek Light" charset="0"/>
+              <a:ea typeface="Seravek Light" charset="0"/>
+              <a:cs typeface="Seravek Light" charset="0"/>
+            </a:endParaRPr>
+          </a:p>
+        </p:txBody>
+      </p:sp>
+      <p:sp>
+        <p:nvSpPr>
+          <p:cNvPr id="11" name="직사각형 10"/>
+          <p:cNvSpPr/>
+          <p:nvPr/>
+        </p:nvSpPr>
+        <p:spPr>
+          <a:xfrm>
+            <a:off x="69202" y="6518941"/>
+            <a:ext cx="4169731" cy="261610"/>
+          </a:xfrm>
+          <a:prstGeom prst="rect">
+            <a:avLst/>
+          </a:prstGeom>
+        </p:spPr>
+        <p:txBody>
+          <a:bodyPr wrap="none">
+            <a:spAutoFit/>
+          </a:bodyPr>
+          <a:lstStyle/>
+          <a:p>
+            <a:r>
+              <a:rPr lang="en-US" altLang="ko-KR" sz="1100" dirty="0">
+                <a:latin typeface="Seravek Light" charset="0"/>
+                <a:ea typeface="Seravek Light" charset="0"/>
+                <a:cs typeface="Seravek Light" charset="0"/>
+              </a:rPr>
+              <a:t>CHOONG-WAN WOO  |  COCOAN lab  |  </a:t>
+            </a:r>
+            <a:r>
+              <a:rPr lang="en-US" altLang="ko-KR" sz="1100" dirty="0">
+                <a:latin typeface="Seravek Light" charset="0"/>
+                <a:ea typeface="Seravek Light" charset="0"/>
+                <a:cs typeface="Seravek Light" charset="0"/>
+                <a:hlinkClick r:id="rId5"/>
+              </a:rPr>
+              <a:t>http://cocoanlab.github.io</a:t>
+            </a:r>
+            <a:endParaRPr lang="en-US" altLang="ko-KR" sz="1100" dirty="0">
+              <a:latin typeface="Seravek Light" charset="0"/>
+              <a:ea typeface="Seravek Light" charset="0"/>
+              <a:cs typeface="Seravek Light" charset="0"/>
+            </a:endParaRPr>
+          </a:p>
+        </p:txBody>
+      </p:sp>
+      <p:sp>
+        <p:nvSpPr>
+          <p:cNvPr id="2" name="직사각형 1"/>
+          <p:cNvSpPr/>
+          <p:nvPr/>
+        </p:nvSpPr>
+        <p:spPr>
+          <a:xfrm>
+            <a:off x="216491" y="222608"/>
+            <a:ext cx="3813865" cy="523220"/>
+          </a:xfrm>
+          <a:prstGeom prst="rect">
+            <a:avLst/>
+          </a:prstGeom>
+        </p:spPr>
+        <p:txBody>
+          <a:bodyPr wrap="none">
+            <a:spAutoFit/>
+          </a:bodyPr>
+          <a:lstStyle/>
+          <a:p>
+            <a:r>
+              <a:rPr lang="en-US" altLang="ko-KR" sz="2800" dirty="0">
+                <a:latin typeface="Seravek" charset="0"/>
+                <a:ea typeface="Seravek" charset="0"/>
+                <a:cs typeface="Seravek" charset="0"/>
+              </a:rPr>
+              <a:t>Examining the residuals</a:t>
+            </a:r>
+            <a:endParaRPr lang="ko-KR" altLang="en-US" sz="2800" dirty="0">
+              <a:latin typeface="Seravek" charset="0"/>
+              <a:ea typeface="Seravek" charset="0"/>
+              <a:cs typeface="Seravek" charset="0"/>
+            </a:endParaRPr>
+          </a:p>
+        </p:txBody>
+      </p:sp>
+      <mc:AlternateContent xmlns:mc="http://schemas.openxmlformats.org/markup-compatibility/2006" xmlns:a14="http://schemas.microsoft.com/office/drawing/2010/main">
+        <mc:Choice Requires="a14">
+          <p:sp>
+            <p:nvSpPr>
+              <p:cNvPr id="15" name="텍스트 상자 14"/>
+              <p:cNvSpPr txBox="1"/>
+              <p:nvPr/>
+            </p:nvSpPr>
+            <p:spPr>
+              <a:xfrm>
+                <a:off x="1224288" y="865667"/>
+                <a:ext cx="9869810" cy="3194721"/>
+              </a:xfrm>
+              <a:prstGeom prst="rect">
+                <a:avLst/>
+              </a:prstGeom>
+              <a:noFill/>
+            </p:spPr>
+            <p:txBody>
+              <a:bodyPr wrap="square" rtlCol="0">
+                <a:spAutoFit/>
+              </a:bodyPr>
+              <a:lstStyle/>
+              <a:p>
+                <a:pPr marL="314325" indent="-314325">
+                  <a:lnSpc>
+                    <a:spcPct val="160000"/>
+                  </a:lnSpc>
+                  <a:buFont typeface="Arial" charset="0"/>
+                  <a:buChar char="•"/>
+                </a:pPr>
+                <a:r>
+                  <a:rPr lang="en-US" altLang="ko-KR" dirty="0">
+                    <a:latin typeface="Seravek Light" charset="0"/>
+                    <a:ea typeface="Seravek Light" charset="0"/>
+                    <a:cs typeface="Seravek Light" charset="0"/>
+                  </a:rPr>
+                  <a:t>Residuals are defined as:</a:t>
+                </a:r>
+              </a:p>
+              <a:p>
+                <a:pPr marL="314325" indent="-314325">
+                  <a:lnSpc>
+                    <a:spcPct val="160000"/>
+                  </a:lnSpc>
+                  <a:buFont typeface="Arial" charset="0"/>
+                  <a:buChar char="•"/>
+                </a:pPr>
+                <a14:m>
+                  <m:oMath xmlns:m="http://schemas.openxmlformats.org/officeDocument/2006/math">
+                    <m:r>
+                      <a:rPr lang="en-US" altLang="ko-KR" b="0" i="1" smtClean="0">
+                        <a:latin typeface="Cambria Math" charset="0"/>
+                        <a:ea typeface="Seravek Light" charset="0"/>
+                        <a:cs typeface="Seravek Light" charset="0"/>
+                      </a:rPr>
+                      <m:t>𝑒</m:t>
+                    </m:r>
+                    <m:r>
+                      <a:rPr lang="en-US" altLang="ko-KR" b="0" i="1" smtClean="0">
+                        <a:latin typeface="Cambria Math" charset="0"/>
+                        <a:ea typeface="Seravek Light" charset="0"/>
+                        <a:cs typeface="Seravek Light" charset="0"/>
+                      </a:rPr>
+                      <m:t>=</m:t>
+                    </m:r>
+                    <m:r>
+                      <a:rPr lang="en-US" altLang="ko-KR" b="0" i="1" smtClean="0">
+                        <a:latin typeface="Cambria Math" charset="0"/>
+                        <a:ea typeface="Seravek Light" charset="0"/>
+                        <a:cs typeface="Seravek Light" charset="0"/>
+                      </a:rPr>
+                      <m:t>𝑦</m:t>
+                    </m:r>
+                    <m:r>
+                      <a:rPr lang="en-US" altLang="ko-KR" b="0" i="1" smtClean="0">
+                        <a:latin typeface="Cambria Math" charset="0"/>
+                        <a:ea typeface="Seravek Light" charset="0"/>
+                        <a:cs typeface="Seravek Light" charset="0"/>
+                      </a:rPr>
+                      <m:t> − </m:t>
+                    </m:r>
+                    <m:acc>
+                      <m:accPr>
+                        <m:chr m:val="̂"/>
+                        <m:ctrlPr>
+                          <a:rPr lang="en-US" altLang="ko-KR" b="0" i="1" smtClean="0">
+                            <a:latin typeface="Cambria Math" panose="02040503050406030204" pitchFamily="18" charset="0"/>
+                            <a:ea typeface="Seravek Light" charset="0"/>
+                            <a:cs typeface="Seravek Light" charset="0"/>
+                          </a:rPr>
+                        </m:ctrlPr>
+                      </m:accPr>
+                      <m:e>
+                        <m:r>
+                          <a:rPr lang="en-US" altLang="ko-KR" b="0" i="1" smtClean="0">
+                            <a:latin typeface="Cambria Math" charset="0"/>
+                            <a:ea typeface="Seravek Light" charset="0"/>
+                            <a:cs typeface="Seravek Light" charset="0"/>
+                          </a:rPr>
+                          <m:t>𝑦</m:t>
+                        </m:r>
+                      </m:e>
+                    </m:acc>
+                  </m:oMath>
+                </a14:m>
+                <a:endParaRPr lang="en-US" altLang="ko-KR" dirty="0">
+                  <a:latin typeface="Seravek Light" charset="0"/>
+                  <a:ea typeface="Seravek Light" charset="0"/>
+                  <a:cs typeface="Seravek Light" charset="0"/>
+                </a:endParaRPr>
+              </a:p>
+              <a:p>
+                <a:pPr marL="314325" indent="-314325">
+                  <a:lnSpc>
+                    <a:spcPct val="160000"/>
+                  </a:lnSpc>
+                  <a:buFont typeface="Arial" charset="0"/>
+                  <a:buChar char="•"/>
+                </a:pPr>
+                <a:endParaRPr lang="en-US" altLang="ko-KR" dirty="0">
+                  <a:latin typeface="Seravek Light" charset="0"/>
+                  <a:ea typeface="Seravek Light" charset="0"/>
+                  <a:cs typeface="Seravek Light" charset="0"/>
+                </a:endParaRPr>
+              </a:p>
+              <a:p>
+                <a:pPr marL="314325" indent="-314325">
+                  <a:lnSpc>
+                    <a:spcPct val="160000"/>
+                  </a:lnSpc>
+                  <a:buFont typeface="Arial" charset="0"/>
+                  <a:buChar char="•"/>
+                </a:pPr>
+                <a:endParaRPr lang="en-US" altLang="ko-KR" dirty="0">
+                  <a:latin typeface="Seravek Light" charset="0"/>
+                  <a:ea typeface="Seravek Light" charset="0"/>
+                  <a:cs typeface="Seravek Light" charset="0"/>
+                </a:endParaRPr>
+              </a:p>
+              <a:p>
+                <a:pPr marL="314325" indent="-314325">
+                  <a:lnSpc>
+                    <a:spcPct val="160000"/>
+                  </a:lnSpc>
+                  <a:buFont typeface="Arial" charset="0"/>
+                  <a:buChar char="•"/>
+                </a:pPr>
+                <a:endParaRPr lang="en-US" altLang="ko-KR" dirty="0">
+                  <a:latin typeface="Seravek Light" charset="0"/>
+                  <a:ea typeface="Seravek Light" charset="0"/>
+                  <a:cs typeface="Seravek Light" charset="0"/>
+                </a:endParaRPr>
+              </a:p>
+              <a:p>
+                <a:pPr marL="314325" indent="-314325">
+                  <a:lnSpc>
+                    <a:spcPct val="160000"/>
+                  </a:lnSpc>
+                  <a:buFont typeface="Arial" charset="0"/>
+                  <a:buChar char="•"/>
+                </a:pPr>
+                <a:endParaRPr lang="en-US" altLang="ko-KR" dirty="0">
+                  <a:latin typeface="Seravek Light" charset="0"/>
+                  <a:ea typeface="Seravek Light" charset="0"/>
+                  <a:cs typeface="Seravek Light" charset="0"/>
+                </a:endParaRPr>
+              </a:p>
+              <a:p>
+                <a:pPr marL="314325" indent="-314325">
+                  <a:lnSpc>
+                    <a:spcPct val="160000"/>
+                  </a:lnSpc>
+                  <a:buFont typeface="Arial" charset="0"/>
+                  <a:buChar char="•"/>
+                </a:pPr>
+                <a:endParaRPr lang="en-US" altLang="ko-KR" dirty="0">
+                  <a:latin typeface="Seravek Light" charset="0"/>
+                  <a:ea typeface="Seravek Light" charset="0"/>
+                  <a:cs typeface="Seravek Light" charset="0"/>
+                </a:endParaRPr>
+              </a:p>
+            </p:txBody>
+          </p:sp>
+        </mc:Choice>
+        <mc:Fallback xmlns="">
+          <p:sp>
+            <p:nvSpPr>
+              <p:cNvPr id="15" name="텍스트 상자 14"/>
+              <p:cNvSpPr txBox="1">
+                <a:spLocks noRot="1" noChangeAspect="1" noMove="1" noResize="1" noEditPoints="1" noAdjustHandles="1" noChangeArrowheads="1" noChangeShapeType="1" noTextEdit="1"/>
+              </p:cNvSpPr>
+              <p:nvPr/>
+            </p:nvSpPr>
+            <p:spPr>
+              <a:xfrm>
+                <a:off x="1224288" y="865667"/>
+                <a:ext cx="9869810" cy="3194721"/>
+              </a:xfrm>
+              <a:prstGeom prst="rect">
+                <a:avLst/>
+              </a:prstGeom>
+              <a:blipFill rotWithShape="0">
+                <a:blip r:embed="rId6"/>
+                <a:stretch>
+                  <a:fillRect l="-432"/>
+                </a:stretch>
+              </a:blipFill>
+            </p:spPr>
+            <p:txBody>
+              <a:bodyPr/>
+              <a:lstStyle/>
+              <a:p>
+                <a:r>
+                  <a:rPr lang="ko-KR" altLang="en-US">
+                    <a:noFill/>
+                  </a:rPr>
+                  <a:t> </a:t>
+                </a:r>
+              </a:p>
+            </p:txBody>
+          </p:sp>
+        </mc:Fallback>
+      </mc:AlternateContent>
+      <p:pic>
+        <p:nvPicPr>
+          <p:cNvPr id="3" name="그림 2"/>
+          <p:cNvPicPr>
+            <a:picLocks noChangeAspect="1"/>
+          </p:cNvPicPr>
+          <p:nvPr/>
+        </p:nvPicPr>
+        <p:blipFill>
+          <a:blip r:embed="rId7"/>
+          <a:stretch>
+            <a:fillRect/>
+          </a:stretch>
+        </p:blipFill>
+        <p:spPr>
+          <a:xfrm>
+            <a:off x="4126125" y="969995"/>
+            <a:ext cx="6632071" cy="2802382"/>
+          </a:xfrm>
+          <a:prstGeom prst="rect">
+            <a:avLst/>
+          </a:prstGeom>
+        </p:spPr>
+      </p:pic>
+    </p:spTree>
+    <p:extLst>
+      <p:ext uri="{BB962C8B-B14F-4D97-AF65-F5344CB8AC3E}">
+        <p14:creationId xmlns:p14="http://schemas.microsoft.com/office/powerpoint/2010/main" val="746791566"/>
+      </p:ext>
+    </p:extLst>
+  </p:cSld>
+  <p:clrMapOvr>
+    <a:masterClrMapping/>
+  </p:clrMapOvr>
+  <p:timing>
+    <p:tnLst>
+      <p:par>
+        <p:cTn id="1" dur="indefinite" restart="never" nodeType="tmRoot">
+          <p:childTnLst>
+            <p:seq concurrent="1" nextAc="seek">
+              <p:cTn id="2" dur="indefinite" nodeType="mainSeq">
+                <p:childTnLst>
+                  <p:par>
+                    <p:cTn id="3" fill="hold">
+                      <p:stCondLst>
+                        <p:cond delay="indefinite"/>
+                      </p:stCondLst>
+                      <p:childTnLst>
+                        <p:par>
+                          <p:cTn id="4" fill="hold">
+                            <p:stCondLst>
+                              <p:cond delay="0"/>
+                            </p:stCondLst>
+                            <p:childTnLst>
+                              <p:par>
+                                <p:cTn id="5" presetID="1" presetClass="entr" presetSubtype="0" fill="hold" grpId="1" nodeType="clickEffect">
+                                  <p:stCondLst>
+                                    <p:cond delay="0"/>
+                                  </p:stCondLst>
+                                  <p:childTnLst>
+                                    <p:set>
+                                      <p:cBhvr>
+                                        <p:cTn id="6" dur="1" fill="hold">
+                                          <p:stCondLst>
+                                            <p:cond delay="0"/>
+                                          </p:stCondLst>
+                                        </p:cTn>
+                                        <p:tgtEl>
+                                          <p:spTgt spid="15">
+                                            <p:txEl>
+                                              <p:pRg st="0" end="0"/>
+                                            </p:txEl>
+                                          </p:spTgt>
+                                        </p:tgtEl>
+                                        <p:attrNameLst>
+                                          <p:attrName>style.visibility</p:attrName>
+                                        </p:attrNameLst>
+                                      </p:cBhvr>
+                                      <p:to>
+                                        <p:strVal val="visible"/>
+                                      </p:to>
+                                    </p:set>
+                                  </p:childTnLst>
+                                </p:cTn>
+                              </p:par>
+                            </p:childTnLst>
+                          </p:cTn>
+                        </p:par>
+                      </p:childTnLst>
+                    </p:cTn>
+                  </p:par>
+                  <p:par>
+                    <p:cTn id="7" fill="hold">
+                      <p:stCondLst>
+                        <p:cond delay="indefinite"/>
+                      </p:stCondLst>
+                      <p:childTnLst>
+                        <p:par>
+                          <p:cTn id="8" fill="hold">
+                            <p:stCondLst>
+                              <p:cond delay="0"/>
+                            </p:stCondLst>
+                            <p:childTnLst>
+                              <p:par>
+                                <p:cTn id="9" presetID="1" presetClass="entr" presetSubtype="0" fill="hold" grpId="1" nodeType="clickEffect">
+                                  <p:stCondLst>
+                                    <p:cond delay="0"/>
+                                  </p:stCondLst>
+                                  <p:childTnLst>
+                                    <p:set>
+                                      <p:cBhvr>
+                                        <p:cTn id="10" dur="1" fill="hold">
+                                          <p:stCondLst>
+                                            <p:cond delay="0"/>
+                                          </p:stCondLst>
+                                        </p:cTn>
+                                        <p:tgtEl>
+                                          <p:spTgt spid="15">
+                                            <p:txEl>
+                                              <p:pRg st="1" end="1"/>
+                                            </p:txEl>
+                                          </p:spTgt>
+                                        </p:tgtEl>
+                                        <p:attrNameLst>
+                                          <p:attrName>style.visibility</p:attrName>
+                                        </p:attrNameLst>
+                                      </p:cBhvr>
+                                      <p:to>
+                                        <p:strVal val="visible"/>
+                                      </p:to>
+                                    </p:set>
+                                  </p:childTnLst>
+                                </p:cTn>
+                              </p:par>
+                            </p:childTnLst>
+                          </p:cTn>
+                        </p:par>
+                      </p:childTnLst>
+                    </p:cTn>
+                  </p:par>
+                </p:childTnLst>
+              </p:cTn>
+              <p:prevCondLst>
+                <p:cond evt="onPrev" delay="0">
+                  <p:tgtEl>
+                    <p:sldTgt/>
+                  </p:tgtEl>
+                </p:cond>
+              </p:prevCondLst>
+              <p:nextCondLst>
+                <p:cond evt="onNext" delay="0">
+                  <p:tgtEl>
+                    <p:sldTgt/>
+                  </p:tgtEl>
+                </p:cond>
+              </p:nextCondLst>
+            </p:seq>
+          </p:childTnLst>
+        </p:cTn>
+      </p:par>
+    </p:tnLst>
+    <p:bldLst>
+      <p:bldP spid="15" grpId="1" build="p"/>
+    </p:bldLst>
+  </p:timing>
+</p:sld>
+</file>
+
 <file path=ppt/theme/theme1.xml><?xml version="1.0" encoding="utf-8"?>
 <a:theme xmlns:a="http://schemas.openxmlformats.org/drawingml/2006/main" name="Office 테마">
   <a:themeElements>
